--- a/files/teaching-resources/monmouthcollege-econ-301/econ-301-final/ECON301-S2024-PracticeFinal-RECAP.pptx
+++ b/files/teaching-resources/monmouthcollege-econ-301/econ-301-final/ECON301-S2024-PracticeFinal-RECAP.pptx
@@ -5,25 +5,23 @@
     <p:sldMasterId id="2147483720" r:id="rId1"/>
   </p:sldMasterIdLst>
   <p:notesMasterIdLst>
-    <p:notesMasterId r:id="rId18"/>
+    <p:notesMasterId r:id="rId16"/>
   </p:notesMasterIdLst>
   <p:sldIdLst>
     <p:sldId id="256" r:id="rId2"/>
-    <p:sldId id="273" r:id="rId3"/>
-    <p:sldId id="309" r:id="rId4"/>
-    <p:sldId id="275" r:id="rId5"/>
-    <p:sldId id="305" r:id="rId6"/>
-    <p:sldId id="306" r:id="rId7"/>
-    <p:sldId id="277" r:id="rId8"/>
-    <p:sldId id="278" r:id="rId9"/>
-    <p:sldId id="279" r:id="rId10"/>
-    <p:sldId id="280" r:id="rId11"/>
-    <p:sldId id="296" r:id="rId12"/>
-    <p:sldId id="307" r:id="rId13"/>
-    <p:sldId id="308" r:id="rId14"/>
-    <p:sldId id="303" r:id="rId15"/>
-    <p:sldId id="283" r:id="rId16"/>
-    <p:sldId id="304" r:id="rId17"/>
+    <p:sldId id="275" r:id="rId3"/>
+    <p:sldId id="305" r:id="rId4"/>
+    <p:sldId id="306" r:id="rId5"/>
+    <p:sldId id="277" r:id="rId6"/>
+    <p:sldId id="278" r:id="rId7"/>
+    <p:sldId id="279" r:id="rId8"/>
+    <p:sldId id="280" r:id="rId9"/>
+    <p:sldId id="296" r:id="rId10"/>
+    <p:sldId id="307" r:id="rId11"/>
+    <p:sldId id="308" r:id="rId12"/>
+    <p:sldId id="303" r:id="rId13"/>
+    <p:sldId id="283" r:id="rId14"/>
+    <p:sldId id="304" r:id="rId15"/>
   </p:sldIdLst>
   <p:sldSz cx="9144000" cy="6858000" type="screen4x3"/>
   <p:notesSz cx="6858000" cy="9144000"/>
@@ -212,7 +210,7 @@
           <a:p>
             <a:fld id="{0E0A6441-4E79-42FF-805B-86C90BDFD38D}" type="datetimeFigureOut">
               <a:rPr lang="en-US" smtClean="0"/>
-              <a:t>5/6/2024</a:t>
+              <a:t>5/3/2025</a:t>
             </a:fld>
             <a:endParaRPr lang="en-US" dirty="0"/>
           </a:p>
@@ -626,7 +624,7 @@
           <a:p>
             <a:r>
               <a:rPr lang="en-US"/>
-              <a:t>Spring 2024</a:t>
+              <a:t>ECON 301</a:t>
             </a:r>
             <a:endParaRPr lang="en-US" dirty="0"/>
           </a:p>
@@ -866,7 +864,7 @@
           <a:p>
             <a:r>
               <a:rPr lang="en-US"/>
-              <a:t>Spring 2024</a:t>
+              <a:t>ECON 301</a:t>
             </a:r>
             <a:endParaRPr lang="en-US" dirty="0"/>
           </a:p>
@@ -1116,7 +1114,7 @@
           <a:p>
             <a:r>
               <a:rPr lang="en-US"/>
-              <a:t>Spring 2024</a:t>
+              <a:t>ECON 301</a:t>
             </a:r>
             <a:endParaRPr lang="en-US" dirty="0"/>
           </a:p>
@@ -1362,7 +1360,7 @@
           <a:p>
             <a:r>
               <a:rPr lang="en-US"/>
-              <a:t>Spring 2024</a:t>
+              <a:t>ECON 301</a:t>
             </a:r>
             <a:endParaRPr lang="en-US" dirty="0"/>
           </a:p>
@@ -1666,7 +1664,7 @@
           <a:p>
             <a:r>
               <a:rPr lang="en-US"/>
-              <a:t>Spring 2024</a:t>
+              <a:t>ECON 301</a:t>
             </a:r>
             <a:endParaRPr lang="en-US" dirty="0"/>
           </a:p>
@@ -1986,7 +1984,7 @@
           <a:p>
             <a:r>
               <a:rPr lang="en-US"/>
-              <a:t>Spring 2024</a:t>
+              <a:t>ECON 301</a:t>
             </a:r>
             <a:endParaRPr lang="en-US" dirty="0"/>
           </a:p>
@@ -2445,7 +2443,7 @@
           <a:p>
             <a:r>
               <a:rPr lang="en-US"/>
-              <a:t>Spring 2024</a:t>
+              <a:t>ECON 301</a:t>
             </a:r>
             <a:endParaRPr lang="en-US" dirty="0"/>
           </a:p>
@@ -2615,7 +2613,7 @@
           <a:p>
             <a:r>
               <a:rPr lang="en-US"/>
-              <a:t>Spring 2024</a:t>
+              <a:t>ECON 301</a:t>
             </a:r>
             <a:endParaRPr lang="en-US" dirty="0"/>
           </a:p>
@@ -2762,7 +2760,7 @@
           <a:p>
             <a:r>
               <a:rPr lang="en-US"/>
-              <a:t>Spring 2024</a:t>
+              <a:t>ECON 301</a:t>
             </a:r>
             <a:endParaRPr lang="en-US" dirty="0"/>
           </a:p>
@@ -3093,7 +3091,7 @@
           <a:p>
             <a:r>
               <a:rPr lang="en-US"/>
-              <a:t>Spring 2024</a:t>
+              <a:t>ECON 301</a:t>
             </a:r>
             <a:endParaRPr lang="en-US" dirty="0"/>
           </a:p>
@@ -3401,7 +3399,7 @@
           <a:p>
             <a:r>
               <a:rPr lang="en-US"/>
-              <a:t>Spring 2024</a:t>
+              <a:t>ECON 301</a:t>
             </a:r>
             <a:endParaRPr lang="en-US" dirty="0"/>
           </a:p>
@@ -3658,7 +3656,7 @@
           <a:p>
             <a:r>
               <a:rPr lang="en-US"/>
-              <a:t>Spring 2024</a:t>
+              <a:t>ECON 301</a:t>
             </a:r>
             <a:endParaRPr lang="en-US" dirty="0"/>
           </a:p>
@@ -4192,7 +4190,7 @@
           <a:p>
             <a:r>
               <a:rPr lang="en-US"/>
-              <a:t>Spring 2024</a:t>
+              <a:t>ECON 301</a:t>
             </a:r>
             <a:endParaRPr lang="en-US" dirty="0"/>
           </a:p>
@@ -4314,7 +4312,7 @@
           <a:p>
             <a:r>
               <a:rPr lang="en-US" dirty="0"/>
-              <a:t>Problem 2.D.</a:t>
+              <a:t>Problem 3.B.</a:t>
             </a:r>
           </a:p>
         </p:txBody>
@@ -4342,72 +4340,11 @@
           <a:p>
             <a:r>
               <a:rPr lang="en-US" dirty="0"/>
-              <a:t>In general, countries with higher levels of investment in R&amp;D tend to exhibit a faster pace of technological progress.</a:t>
+              <a:t>What happens when Money Demand increases?</a:t>
             </a:r>
+          </a:p>
+          <a:p>
             <a:endParaRPr lang="en-US" sz="500" dirty="0"/>
-          </a:p>
-          <a:p>
-            <a:pPr lvl="1"/>
-            <a:r>
-              <a:rPr lang="en-US" dirty="0">
-                <a:solidFill>
-                  <a:srgbClr val="FF0000"/>
-                </a:solidFill>
-              </a:rPr>
-              <a:t>FALSE*</a:t>
-            </a:r>
-          </a:p>
-          <a:p>
-            <a:pPr lvl="1"/>
-            <a:r>
-              <a:rPr lang="en-US" dirty="0">
-                <a:solidFill>
-                  <a:srgbClr val="FF0000"/>
-                </a:solidFill>
-              </a:rPr>
-              <a:t>Countries along the frontier of technological progress cannot exhibit faster progress than countries catching up.</a:t>
-            </a:r>
-          </a:p>
-          <a:p>
-            <a:pPr lvl="1"/>
-            <a:endParaRPr lang="en-US" dirty="0">
-              <a:solidFill>
-                <a:srgbClr val="FF0000"/>
-              </a:solidFill>
-            </a:endParaRPr>
-          </a:p>
-          <a:p>
-            <a:pPr lvl="1"/>
-            <a:r>
-              <a:rPr lang="en-US" dirty="0">
-                <a:solidFill>
-                  <a:srgbClr val="FF0000"/>
-                </a:solidFill>
-              </a:rPr>
-              <a:t>TRUE*</a:t>
-            </a:r>
-          </a:p>
-          <a:p>
-            <a:pPr lvl="1"/>
-            <a:r>
-              <a:rPr lang="en-US" dirty="0">
-                <a:solidFill>
-                  <a:srgbClr val="FF0000"/>
-                </a:solidFill>
-              </a:rPr>
-              <a:t>Countries that do not invest in R&amp;D will not be able to enjoy technological progress at all.</a:t>
-            </a:r>
-          </a:p>
-          <a:p>
-            <a:pPr lvl="1"/>
-            <a:endParaRPr lang="en-US" dirty="0">
-              <a:solidFill>
-                <a:srgbClr val="FF0000"/>
-              </a:solidFill>
-            </a:endParaRPr>
-          </a:p>
-          <a:p>
-            <a:endParaRPr lang="en-US" dirty="0"/>
           </a:p>
         </p:txBody>
       </p:sp>
@@ -4434,7 +4371,7 @@
           <a:p>
             <a:r>
               <a:rPr lang="en-US"/>
-              <a:t>Spring 2024</a:t>
+              <a:t>ECON 301</a:t>
             </a:r>
             <a:endParaRPr lang="en-US" dirty="0"/>
           </a:p>
@@ -4492,2030 +4429,6 @@
             <a:fld id="{1A980C56-831A-4EAB-9EDE-57C090F4F877}" type="slidenum">
               <a:rPr lang="en-US" smtClean="0"/>
               <a:t>10</a:t>
-            </a:fld>
-            <a:endParaRPr lang="en-US" dirty="0"/>
-          </a:p>
-        </p:txBody>
-      </p:sp>
-    </p:spTree>
-    <p:extLst>
-      <p:ext uri="{BB962C8B-B14F-4D97-AF65-F5344CB8AC3E}">
-        <p14:creationId xmlns:p14="http://schemas.microsoft.com/office/powerpoint/2010/main" val="1687861091"/>
-      </p:ext>
-    </p:extLst>
-  </p:cSld>
-  <p:clrMapOvr>
-    <a:masterClrMapping/>
-  </p:clrMapOvr>
-  <p:timing>
-    <p:tnLst>
-      <p:par>
-        <p:cTn id="1" dur="indefinite" restart="never" nodeType="tmRoot">
-          <p:childTnLst>
-            <p:seq concurrent="1" nextAc="seek">
-              <p:cTn id="2" dur="indefinite" nodeType="mainSeq">
-                <p:childTnLst>
-                  <p:par>
-                    <p:cTn id="3" fill="hold">
-                      <p:stCondLst>
-                        <p:cond delay="indefinite"/>
-                        <p:cond evt="onBegin" delay="0">
-                          <p:tn val="2"/>
-                        </p:cond>
-                      </p:stCondLst>
-                      <p:childTnLst>
-                        <p:par>
-                          <p:cTn id="4" fill="hold">
-                            <p:stCondLst>
-                              <p:cond delay="0"/>
-                            </p:stCondLst>
-                            <p:childTnLst>
-                              <p:par>
-                                <p:cTn id="5" presetID="10" presetClass="entr" presetSubtype="0" fill="hold" nodeType="withEffect">
-                                  <p:stCondLst>
-                                    <p:cond delay="0"/>
-                                  </p:stCondLst>
-                                  <p:childTnLst>
-                                    <p:set>
-                                      <p:cBhvr>
-                                        <p:cTn id="6" dur="1" fill="hold">
-                                          <p:stCondLst>
-                                            <p:cond delay="0"/>
-                                          </p:stCondLst>
-                                        </p:cTn>
-                                        <p:tgtEl>
-                                          <p:spTgt spid="3">
-                                            <p:txEl>
-                                              <p:pRg st="0" end="0"/>
-                                            </p:txEl>
-                                          </p:spTgt>
-                                        </p:tgtEl>
-                                        <p:attrNameLst>
-                                          <p:attrName>style.visibility</p:attrName>
-                                        </p:attrNameLst>
-                                      </p:cBhvr>
-                                      <p:to>
-                                        <p:strVal val="visible"/>
-                                      </p:to>
-                                    </p:set>
-                                    <p:animEffect transition="in" filter="fade">
-                                      <p:cBhvr>
-                                        <p:cTn id="7" dur="500"/>
-                                        <p:tgtEl>
-                                          <p:spTgt spid="3">
-                                            <p:txEl>
-                                              <p:pRg st="0" end="0"/>
-                                            </p:txEl>
-                                          </p:spTgt>
-                                        </p:tgtEl>
-                                      </p:cBhvr>
-                                    </p:animEffect>
-                                  </p:childTnLst>
-                                </p:cTn>
-                              </p:par>
-                            </p:childTnLst>
-                          </p:cTn>
-                        </p:par>
-                      </p:childTnLst>
-                    </p:cTn>
-                  </p:par>
-                  <p:par>
-                    <p:cTn id="8" fill="hold">
-                      <p:stCondLst>
-                        <p:cond delay="indefinite"/>
-                      </p:stCondLst>
-                      <p:childTnLst>
-                        <p:par>
-                          <p:cTn id="9" fill="hold">
-                            <p:stCondLst>
-                              <p:cond delay="0"/>
-                            </p:stCondLst>
-                            <p:childTnLst>
-                              <p:par>
-                                <p:cTn id="10" presetID="10" presetClass="entr" presetSubtype="0" fill="hold" nodeType="clickEffect">
-                                  <p:stCondLst>
-                                    <p:cond delay="0"/>
-                                  </p:stCondLst>
-                                  <p:childTnLst>
-                                    <p:set>
-                                      <p:cBhvr>
-                                        <p:cTn id="11" dur="1" fill="hold">
-                                          <p:stCondLst>
-                                            <p:cond delay="0"/>
-                                          </p:stCondLst>
-                                        </p:cTn>
-                                        <p:tgtEl>
-                                          <p:spTgt spid="3">
-                                            <p:txEl>
-                                              <p:pRg st="1" end="1"/>
-                                            </p:txEl>
-                                          </p:spTgt>
-                                        </p:tgtEl>
-                                        <p:attrNameLst>
-                                          <p:attrName>style.visibility</p:attrName>
-                                        </p:attrNameLst>
-                                      </p:cBhvr>
-                                      <p:to>
-                                        <p:strVal val="visible"/>
-                                      </p:to>
-                                    </p:set>
-                                    <p:animEffect transition="in" filter="fade">
-                                      <p:cBhvr>
-                                        <p:cTn id="12" dur="500"/>
-                                        <p:tgtEl>
-                                          <p:spTgt spid="3">
-                                            <p:txEl>
-                                              <p:pRg st="1" end="1"/>
-                                            </p:txEl>
-                                          </p:spTgt>
-                                        </p:tgtEl>
-                                      </p:cBhvr>
-                                    </p:animEffect>
-                                  </p:childTnLst>
-                                </p:cTn>
-                              </p:par>
-                            </p:childTnLst>
-                          </p:cTn>
-                        </p:par>
-                      </p:childTnLst>
-                    </p:cTn>
-                  </p:par>
-                  <p:par>
-                    <p:cTn id="13" fill="hold">
-                      <p:stCondLst>
-                        <p:cond delay="indefinite"/>
-                      </p:stCondLst>
-                      <p:childTnLst>
-                        <p:par>
-                          <p:cTn id="14" fill="hold">
-                            <p:stCondLst>
-                              <p:cond delay="0"/>
-                            </p:stCondLst>
-                            <p:childTnLst>
-                              <p:par>
-                                <p:cTn id="15" presetID="10" presetClass="entr" presetSubtype="0" fill="hold" nodeType="clickEffect">
-                                  <p:stCondLst>
-                                    <p:cond delay="0"/>
-                                  </p:stCondLst>
-                                  <p:childTnLst>
-                                    <p:set>
-                                      <p:cBhvr>
-                                        <p:cTn id="16" dur="1" fill="hold">
-                                          <p:stCondLst>
-                                            <p:cond delay="0"/>
-                                          </p:stCondLst>
-                                        </p:cTn>
-                                        <p:tgtEl>
-                                          <p:spTgt spid="3">
-                                            <p:txEl>
-                                              <p:pRg st="2" end="2"/>
-                                            </p:txEl>
-                                          </p:spTgt>
-                                        </p:tgtEl>
-                                        <p:attrNameLst>
-                                          <p:attrName>style.visibility</p:attrName>
-                                        </p:attrNameLst>
-                                      </p:cBhvr>
-                                      <p:to>
-                                        <p:strVal val="visible"/>
-                                      </p:to>
-                                    </p:set>
-                                    <p:animEffect transition="in" filter="fade">
-                                      <p:cBhvr>
-                                        <p:cTn id="17" dur="500"/>
-                                        <p:tgtEl>
-                                          <p:spTgt spid="3">
-                                            <p:txEl>
-                                              <p:pRg st="2" end="2"/>
-                                            </p:txEl>
-                                          </p:spTgt>
-                                        </p:tgtEl>
-                                      </p:cBhvr>
-                                    </p:animEffect>
-                                  </p:childTnLst>
-                                </p:cTn>
-                              </p:par>
-                            </p:childTnLst>
-                          </p:cTn>
-                        </p:par>
-                      </p:childTnLst>
-                    </p:cTn>
-                  </p:par>
-                  <p:par>
-                    <p:cTn id="18" fill="hold">
-                      <p:stCondLst>
-                        <p:cond delay="indefinite"/>
-                      </p:stCondLst>
-                      <p:childTnLst>
-                        <p:par>
-                          <p:cTn id="19" fill="hold">
-                            <p:stCondLst>
-                              <p:cond delay="0"/>
-                            </p:stCondLst>
-                            <p:childTnLst>
-                              <p:par>
-                                <p:cTn id="20" presetID="10" presetClass="entr" presetSubtype="0" fill="hold" nodeType="clickEffect">
-                                  <p:stCondLst>
-                                    <p:cond delay="0"/>
-                                  </p:stCondLst>
-                                  <p:childTnLst>
-                                    <p:set>
-                                      <p:cBhvr>
-                                        <p:cTn id="21" dur="1" fill="hold">
-                                          <p:stCondLst>
-                                            <p:cond delay="0"/>
-                                          </p:stCondLst>
-                                        </p:cTn>
-                                        <p:tgtEl>
-                                          <p:spTgt spid="3">
-                                            <p:txEl>
-                                              <p:pRg st="4" end="4"/>
-                                            </p:txEl>
-                                          </p:spTgt>
-                                        </p:tgtEl>
-                                        <p:attrNameLst>
-                                          <p:attrName>style.visibility</p:attrName>
-                                        </p:attrNameLst>
-                                      </p:cBhvr>
-                                      <p:to>
-                                        <p:strVal val="visible"/>
-                                      </p:to>
-                                    </p:set>
-                                    <p:animEffect transition="in" filter="fade">
-                                      <p:cBhvr>
-                                        <p:cTn id="22" dur="500"/>
-                                        <p:tgtEl>
-                                          <p:spTgt spid="3">
-                                            <p:txEl>
-                                              <p:pRg st="4" end="4"/>
-                                            </p:txEl>
-                                          </p:spTgt>
-                                        </p:tgtEl>
-                                      </p:cBhvr>
-                                    </p:animEffect>
-                                  </p:childTnLst>
-                                </p:cTn>
-                              </p:par>
-                            </p:childTnLst>
-                          </p:cTn>
-                        </p:par>
-                      </p:childTnLst>
-                    </p:cTn>
-                  </p:par>
-                  <p:par>
-                    <p:cTn id="23" fill="hold">
-                      <p:stCondLst>
-                        <p:cond delay="indefinite"/>
-                      </p:stCondLst>
-                      <p:childTnLst>
-                        <p:par>
-                          <p:cTn id="24" fill="hold">
-                            <p:stCondLst>
-                              <p:cond delay="0"/>
-                            </p:stCondLst>
-                            <p:childTnLst>
-                              <p:par>
-                                <p:cTn id="25" presetID="10" presetClass="entr" presetSubtype="0" fill="hold" nodeType="clickEffect">
-                                  <p:stCondLst>
-                                    <p:cond delay="0"/>
-                                  </p:stCondLst>
-                                  <p:childTnLst>
-                                    <p:set>
-                                      <p:cBhvr>
-                                        <p:cTn id="26" dur="1" fill="hold">
-                                          <p:stCondLst>
-                                            <p:cond delay="0"/>
-                                          </p:stCondLst>
-                                        </p:cTn>
-                                        <p:tgtEl>
-                                          <p:spTgt spid="3">
-                                            <p:txEl>
-                                              <p:pRg st="5" end="5"/>
-                                            </p:txEl>
-                                          </p:spTgt>
-                                        </p:tgtEl>
-                                        <p:attrNameLst>
-                                          <p:attrName>style.visibility</p:attrName>
-                                        </p:attrNameLst>
-                                      </p:cBhvr>
-                                      <p:to>
-                                        <p:strVal val="visible"/>
-                                      </p:to>
-                                    </p:set>
-                                    <p:animEffect transition="in" filter="fade">
-                                      <p:cBhvr>
-                                        <p:cTn id="27" dur="500"/>
-                                        <p:tgtEl>
-                                          <p:spTgt spid="3">
-                                            <p:txEl>
-                                              <p:pRg st="5" end="5"/>
-                                            </p:txEl>
-                                          </p:spTgt>
-                                        </p:tgtEl>
-                                      </p:cBhvr>
-                                    </p:animEffect>
-                                  </p:childTnLst>
-                                </p:cTn>
-                              </p:par>
-                            </p:childTnLst>
-                          </p:cTn>
-                        </p:par>
-                      </p:childTnLst>
-                    </p:cTn>
-                  </p:par>
-                </p:childTnLst>
-              </p:cTn>
-              <p:prevCondLst>
-                <p:cond evt="onPrev" delay="0">
-                  <p:tgtEl>
-                    <p:sldTgt/>
-                  </p:tgtEl>
-                </p:cond>
-              </p:prevCondLst>
-              <p:nextCondLst>
-                <p:cond evt="onNext" delay="0">
-                  <p:tgtEl>
-                    <p:sldTgt/>
-                  </p:tgtEl>
-                </p:cond>
-              </p:nextCondLst>
-            </p:seq>
-          </p:childTnLst>
-        </p:cTn>
-      </p:par>
-    </p:tnLst>
-  </p:timing>
-</p:sld>
-</file>
-
-<file path=ppt/slides/slide11.xml><?xml version="1.0" encoding="utf-8"?>
-<p:sld xmlns:a="http://schemas.openxmlformats.org/drawingml/2006/main" xmlns:r="http://schemas.openxmlformats.org/officeDocument/2006/relationships" xmlns:p="http://schemas.openxmlformats.org/presentationml/2006/main">
-  <p:cSld>
-    <p:spTree>
-      <p:nvGrpSpPr>
-        <p:cNvPr id="1" name="">
-          <a:extLst>
-            <a:ext uri="{FF2B5EF4-FFF2-40B4-BE49-F238E27FC236}">
-              <a16:creationId xmlns:a16="http://schemas.microsoft.com/office/drawing/2014/main" id="{9733E13E-28F3-4D5A-DF36-39A69CCAEB4A}"/>
-            </a:ext>
-          </a:extLst>
-        </p:cNvPr>
-        <p:cNvGrpSpPr/>
-        <p:nvPr/>
-      </p:nvGrpSpPr>
-      <p:grpSpPr>
-        <a:xfrm>
-          <a:off x="0" y="0"/>
-          <a:ext cx="0" cy="0"/>
-          <a:chOff x="0" y="0"/>
-          <a:chExt cx="0" cy="0"/>
-        </a:xfrm>
-      </p:grpSpPr>
-      <p:sp>
-        <p:nvSpPr>
-          <p:cNvPr id="2" name="Title 1">
-            <a:extLst>
-              <a:ext uri="{FF2B5EF4-FFF2-40B4-BE49-F238E27FC236}">
-                <a16:creationId xmlns:a16="http://schemas.microsoft.com/office/drawing/2014/main" id="{60B257FE-3B29-1F99-2971-18FFAE82A8A9}"/>
-              </a:ext>
-            </a:extLst>
-          </p:cNvPr>
-          <p:cNvSpPr>
-            <a:spLocks noGrp="1"/>
-          </p:cNvSpPr>
-          <p:nvPr>
-            <p:ph type="title"/>
-          </p:nvPr>
-        </p:nvSpPr>
-        <p:spPr/>
-        <p:txBody>
-          <a:bodyPr/>
-          <a:lstStyle/>
-          <a:p>
-            <a:r>
-              <a:rPr lang="en-US" dirty="0"/>
-              <a:t>Problem 3.A.</a:t>
-            </a:r>
-          </a:p>
-        </p:txBody>
-      </p:sp>
-      <p:sp>
-        <p:nvSpPr>
-          <p:cNvPr id="3" name="Content Placeholder 2">
-            <a:extLst>
-              <a:ext uri="{FF2B5EF4-FFF2-40B4-BE49-F238E27FC236}">
-                <a16:creationId xmlns:a16="http://schemas.microsoft.com/office/drawing/2014/main" id="{6E250E9B-6597-B043-FE63-EABA1D1B7D30}"/>
-              </a:ext>
-            </a:extLst>
-          </p:cNvPr>
-          <p:cNvSpPr>
-            <a:spLocks noGrp="1"/>
-          </p:cNvSpPr>
-          <p:nvPr>
-            <p:ph idx="1"/>
-          </p:nvPr>
-        </p:nvSpPr>
-        <p:spPr/>
-        <p:txBody>
-          <a:bodyPr/>
-          <a:lstStyle/>
-          <a:p>
-            <a:r>
-              <a:rPr lang="en-US" dirty="0"/>
-              <a:t>Plot Money Supply, Money Demand, and Interest Rate.</a:t>
-            </a:r>
-          </a:p>
-          <a:p>
-            <a:endParaRPr lang="en-US" sz="500" dirty="0"/>
-          </a:p>
-        </p:txBody>
-      </p:sp>
-      <p:sp>
-        <p:nvSpPr>
-          <p:cNvPr id="4" name="Date Placeholder 3">
-            <a:extLst>
-              <a:ext uri="{FF2B5EF4-FFF2-40B4-BE49-F238E27FC236}">
-                <a16:creationId xmlns:a16="http://schemas.microsoft.com/office/drawing/2014/main" id="{61C19871-024E-86B5-2C8B-1F8F138832EE}"/>
-              </a:ext>
-            </a:extLst>
-          </p:cNvPr>
-          <p:cNvSpPr>
-            <a:spLocks noGrp="1"/>
-          </p:cNvSpPr>
-          <p:nvPr>
-            <p:ph type="dt" sz="half" idx="10"/>
-          </p:nvPr>
-        </p:nvSpPr>
-        <p:spPr/>
-        <p:txBody>
-          <a:bodyPr/>
-          <a:lstStyle/>
-          <a:p>
-            <a:r>
-              <a:rPr lang="en-US"/>
-              <a:t>Spring 2024</a:t>
-            </a:r>
-            <a:endParaRPr lang="en-US" dirty="0"/>
-          </a:p>
-        </p:txBody>
-      </p:sp>
-      <p:sp>
-        <p:nvSpPr>
-          <p:cNvPr id="5" name="Footer Placeholder 4">
-            <a:extLst>
-              <a:ext uri="{FF2B5EF4-FFF2-40B4-BE49-F238E27FC236}">
-                <a16:creationId xmlns:a16="http://schemas.microsoft.com/office/drawing/2014/main" id="{5BA540FD-CC7D-4EC2-D4FA-83E9A170E791}"/>
-              </a:ext>
-            </a:extLst>
-          </p:cNvPr>
-          <p:cNvSpPr>
-            <a:spLocks noGrp="1"/>
-          </p:cNvSpPr>
-          <p:nvPr>
-            <p:ph type="ftr" sz="quarter" idx="11"/>
-          </p:nvPr>
-        </p:nvSpPr>
-        <p:spPr/>
-        <p:txBody>
-          <a:bodyPr/>
-          <a:lstStyle/>
-          <a:p>
-            <a:r>
-              <a:rPr lang="en-US" dirty="0"/>
-              <a:t>DEPARTMENT OF BUSINESS &amp; ECONOMICS</a:t>
-            </a:r>
-          </a:p>
-        </p:txBody>
-      </p:sp>
-      <p:sp>
-        <p:nvSpPr>
-          <p:cNvPr id="6" name="Slide Number Placeholder 5">
-            <a:extLst>
-              <a:ext uri="{FF2B5EF4-FFF2-40B4-BE49-F238E27FC236}">
-                <a16:creationId xmlns:a16="http://schemas.microsoft.com/office/drawing/2014/main" id="{E479932B-C1EC-1C43-2517-7918AF89A31E}"/>
-              </a:ext>
-            </a:extLst>
-          </p:cNvPr>
-          <p:cNvSpPr>
-            <a:spLocks noGrp="1"/>
-          </p:cNvSpPr>
-          <p:nvPr>
-            <p:ph type="sldNum" sz="quarter" idx="12"/>
-          </p:nvPr>
-        </p:nvSpPr>
-        <p:spPr/>
-        <p:txBody>
-          <a:bodyPr/>
-          <a:lstStyle/>
-          <a:p>
-            <a:fld id="{1A980C56-831A-4EAB-9EDE-57C090F4F877}" type="slidenum">
-              <a:rPr lang="en-US" smtClean="0"/>
-              <a:t>11</a:t>
-            </a:fld>
-            <a:endParaRPr lang="en-US" dirty="0"/>
-          </a:p>
-        </p:txBody>
-      </p:sp>
-      <p:cxnSp>
-        <p:nvCxnSpPr>
-          <p:cNvPr id="7" name="Straight Arrow Connector 6">
-            <a:extLst>
-              <a:ext uri="{FF2B5EF4-FFF2-40B4-BE49-F238E27FC236}">
-                <a16:creationId xmlns:a16="http://schemas.microsoft.com/office/drawing/2014/main" id="{1D92E734-71AD-D10B-AB9C-66E37CC44A25}"/>
-              </a:ext>
-            </a:extLst>
-          </p:cNvPr>
-          <p:cNvCxnSpPr/>
-          <p:nvPr/>
-        </p:nvCxnSpPr>
-        <p:spPr>
-          <a:xfrm>
-            <a:off x="2627160" y="6048574"/>
-            <a:ext cx="3886200" cy="0"/>
-          </a:xfrm>
-          <a:prstGeom prst="straightConnector1">
-            <a:avLst/>
-          </a:prstGeom>
-          <a:ln w="19050">
-            <a:solidFill>
-              <a:schemeClr val="tx1"/>
-            </a:solidFill>
-            <a:tailEnd type="triangle"/>
-          </a:ln>
-        </p:spPr>
-        <p:style>
-          <a:lnRef idx="1">
-            <a:schemeClr val="accent1"/>
-          </a:lnRef>
-          <a:fillRef idx="0">
-            <a:schemeClr val="accent1"/>
-          </a:fillRef>
-          <a:effectRef idx="0">
-            <a:schemeClr val="accent1"/>
-          </a:effectRef>
-          <a:fontRef idx="minor">
-            <a:schemeClr val="tx1"/>
-          </a:fontRef>
-        </p:style>
-      </p:cxnSp>
-      <p:cxnSp>
-        <p:nvCxnSpPr>
-          <p:cNvPr id="8" name="Straight Arrow Connector 7">
-            <a:extLst>
-              <a:ext uri="{FF2B5EF4-FFF2-40B4-BE49-F238E27FC236}">
-                <a16:creationId xmlns:a16="http://schemas.microsoft.com/office/drawing/2014/main" id="{AFBF915F-80CB-C9EE-A4FF-818EE87C839A}"/>
-              </a:ext>
-            </a:extLst>
-          </p:cNvPr>
-          <p:cNvCxnSpPr>
-            <a:cxnSpLocks/>
-          </p:cNvCxnSpPr>
-          <p:nvPr/>
-        </p:nvCxnSpPr>
-        <p:spPr>
-          <a:xfrm rot="16200000">
-            <a:off x="846851" y="4266101"/>
-            <a:ext cx="3886200" cy="0"/>
-          </a:xfrm>
-          <a:prstGeom prst="straightConnector1">
-            <a:avLst/>
-          </a:prstGeom>
-          <a:ln w="19050">
-            <a:solidFill>
-              <a:schemeClr val="tx1"/>
-            </a:solidFill>
-            <a:tailEnd type="triangle"/>
-          </a:ln>
-        </p:spPr>
-        <p:style>
-          <a:lnRef idx="1">
-            <a:schemeClr val="accent1"/>
-          </a:lnRef>
-          <a:fillRef idx="0">
-            <a:schemeClr val="accent1"/>
-          </a:fillRef>
-          <a:effectRef idx="0">
-            <a:schemeClr val="accent1"/>
-          </a:effectRef>
-          <a:fontRef idx="minor">
-            <a:schemeClr val="tx1"/>
-          </a:fontRef>
-        </p:style>
-      </p:cxnSp>
-      <p:sp>
-        <p:nvSpPr>
-          <p:cNvPr id="9" name="TextBox 8">
-            <a:extLst>
-              <a:ext uri="{FF2B5EF4-FFF2-40B4-BE49-F238E27FC236}">
-                <a16:creationId xmlns:a16="http://schemas.microsoft.com/office/drawing/2014/main" id="{A3D2F674-8E00-A284-2DCC-5E217E41112F}"/>
-              </a:ext>
-            </a:extLst>
-          </p:cNvPr>
-          <p:cNvSpPr txBox="1"/>
-          <p:nvPr/>
-        </p:nvSpPr>
-        <p:spPr>
-          <a:xfrm>
-            <a:off x="5815284" y="6048574"/>
-            <a:ext cx="698076" cy="307777"/>
-          </a:xfrm>
-          <a:prstGeom prst="rect">
-            <a:avLst/>
-          </a:prstGeom>
-          <a:noFill/>
-        </p:spPr>
-        <p:txBody>
-          <a:bodyPr wrap="none" rtlCol="0">
-            <a:spAutoFit/>
-          </a:bodyPr>
-          <a:lstStyle/>
-          <a:p>
-            <a:r>
-              <a:rPr lang="en-US" sz="1400" dirty="0"/>
-              <a:t>Money</a:t>
-            </a:r>
-          </a:p>
-        </p:txBody>
-      </p:sp>
-      <p:sp>
-        <p:nvSpPr>
-          <p:cNvPr id="10" name="TextBox 9">
-            <a:extLst>
-              <a:ext uri="{FF2B5EF4-FFF2-40B4-BE49-F238E27FC236}">
-                <a16:creationId xmlns:a16="http://schemas.microsoft.com/office/drawing/2014/main" id="{76E0C271-7852-4ABD-02D2-B99B9A69C197}"/>
-              </a:ext>
-            </a:extLst>
-          </p:cNvPr>
-          <p:cNvSpPr txBox="1"/>
-          <p:nvPr/>
-        </p:nvSpPr>
-        <p:spPr>
-          <a:xfrm rot="16200000">
-            <a:off x="2066110" y="2746298"/>
-            <a:ext cx="1122102" cy="307777"/>
-          </a:xfrm>
-          <a:prstGeom prst="rect">
-            <a:avLst/>
-          </a:prstGeom>
-          <a:noFill/>
-        </p:spPr>
-        <p:txBody>
-          <a:bodyPr wrap="none" rtlCol="0">
-            <a:spAutoFit/>
-          </a:bodyPr>
-          <a:lstStyle/>
-          <a:p>
-            <a:r>
-              <a:rPr lang="en-US" sz="1400" dirty="0"/>
-              <a:t>Interest Rate</a:t>
-            </a:r>
-          </a:p>
-        </p:txBody>
-      </p:sp>
-      <p:sp>
-        <p:nvSpPr>
-          <p:cNvPr id="11" name="Freeform: Shape 10">
-            <a:extLst>
-              <a:ext uri="{FF2B5EF4-FFF2-40B4-BE49-F238E27FC236}">
-                <a16:creationId xmlns:a16="http://schemas.microsoft.com/office/drawing/2014/main" id="{C08D5F0A-8638-D0FF-1F16-BDA6162AA73E}"/>
-              </a:ext>
-            </a:extLst>
-          </p:cNvPr>
-          <p:cNvSpPr/>
-          <p:nvPr/>
-        </p:nvSpPr>
-        <p:spPr>
-          <a:xfrm>
-            <a:off x="2970060" y="2665901"/>
-            <a:ext cx="3200400" cy="3200400"/>
-          </a:xfrm>
-          <a:custGeom>
-            <a:avLst/>
-            <a:gdLst>
-              <a:gd name="connsiteX0" fmla="*/ 0 w 2795154"/>
-              <a:gd name="connsiteY0" fmla="*/ 0 h 2795154"/>
-              <a:gd name="connsiteX1" fmla="*/ 904009 w 2795154"/>
-              <a:gd name="connsiteY1" fmla="*/ 1870363 h 2795154"/>
-              <a:gd name="connsiteX2" fmla="*/ 2795154 w 2795154"/>
-              <a:gd name="connsiteY2" fmla="*/ 2795154 h 2795154"/>
-            </a:gdLst>
-            <a:ahLst/>
-            <a:cxnLst>
-              <a:cxn ang="0">
-                <a:pos x="connsiteX0" y="connsiteY0"/>
-              </a:cxn>
-              <a:cxn ang="0">
-                <a:pos x="connsiteX1" y="connsiteY1"/>
-              </a:cxn>
-              <a:cxn ang="0">
-                <a:pos x="connsiteX2" y="connsiteY2"/>
-              </a:cxn>
-            </a:cxnLst>
-            <a:rect l="l" t="t" r="r" b="b"/>
-            <a:pathLst>
-              <a:path w="2795154" h="2795154">
-                <a:moveTo>
-                  <a:pt x="0" y="0"/>
-                </a:moveTo>
-                <a:cubicBezTo>
-                  <a:pt x="219075" y="702252"/>
-                  <a:pt x="438150" y="1404504"/>
-                  <a:pt x="904009" y="1870363"/>
-                </a:cubicBezTo>
-                <a:cubicBezTo>
-                  <a:pt x="1369868" y="2336222"/>
-                  <a:pt x="2082511" y="2565688"/>
-                  <a:pt x="2795154" y="2795154"/>
-                </a:cubicBezTo>
-              </a:path>
-            </a:pathLst>
-          </a:custGeom>
-          <a:noFill/>
-          <a:ln w="28575">
-            <a:solidFill>
-              <a:srgbClr val="00B0F0"/>
-            </a:solidFill>
-            <a:prstDash val="solid"/>
-          </a:ln>
-        </p:spPr>
-        <p:style>
-          <a:lnRef idx="2">
-            <a:schemeClr val="accent1">
-              <a:shade val="15000"/>
-            </a:schemeClr>
-          </a:lnRef>
-          <a:fillRef idx="1">
-            <a:schemeClr val="accent1"/>
-          </a:fillRef>
-          <a:effectRef idx="0">
-            <a:schemeClr val="accent1"/>
-          </a:effectRef>
-          <a:fontRef idx="minor">
-            <a:schemeClr val="lt1"/>
-          </a:fontRef>
-        </p:style>
-        <p:txBody>
-          <a:bodyPr rtlCol="0" anchor="ctr"/>
-          <a:lstStyle/>
-          <a:p>
-            <a:pPr algn="ctr"/>
-            <a:endParaRPr lang="en-US">
-              <a:solidFill>
-                <a:srgbClr val="00B0F0"/>
-              </a:solidFill>
-            </a:endParaRPr>
-          </a:p>
-        </p:txBody>
-      </p:sp>
-      <mc:AlternateContent xmlns:mc="http://schemas.openxmlformats.org/markup-compatibility/2006" xmlns:a14="http://schemas.microsoft.com/office/drawing/2010/main">
-        <mc:Choice Requires="a14">
-          <p:sp>
-            <p:nvSpPr>
-              <p:cNvPr id="12" name="TextBox 11">
-                <a:extLst>
-                  <a:ext uri="{FF2B5EF4-FFF2-40B4-BE49-F238E27FC236}">
-                    <a16:creationId xmlns:a16="http://schemas.microsoft.com/office/drawing/2014/main" id="{EF7DA721-1F75-A565-6667-099988DB19FB}"/>
-                  </a:ext>
-                </a:extLst>
-              </p:cNvPr>
-              <p:cNvSpPr txBox="1"/>
-              <p:nvPr/>
-            </p:nvSpPr>
-            <p:spPr>
-              <a:xfrm>
-                <a:off x="5818175" y="5339769"/>
-                <a:ext cx="607282" cy="411779"/>
-              </a:xfrm>
-              <a:prstGeom prst="rect">
-                <a:avLst/>
-              </a:prstGeom>
-              <a:noFill/>
-            </p:spPr>
-            <p:txBody>
-              <a:bodyPr wrap="none" rtlCol="0">
-                <a:spAutoFit/>
-              </a:bodyPr>
-              <a:lstStyle/>
-              <a:p>
-                <a:pPr/>
-                <a14:m>
-                  <m:oMathPara xmlns:m="http://schemas.openxmlformats.org/officeDocument/2006/math">
-                    <m:oMathParaPr>
-                      <m:jc m:val="centerGroup"/>
-                    </m:oMathParaPr>
-                    <m:oMath xmlns:m="http://schemas.openxmlformats.org/officeDocument/2006/math">
-                      <m:sSup>
-                        <m:sSupPr>
-                          <m:ctrlPr>
-                            <a:rPr lang="en-US" sz="2000" i="1" smtClean="0">
-                              <a:solidFill>
-                                <a:srgbClr val="00B0F0"/>
-                              </a:solidFill>
-                              <a:latin typeface="Cambria Math" panose="02040503050406030204" pitchFamily="18" charset="0"/>
-                            </a:rPr>
-                          </m:ctrlPr>
-                        </m:sSupPr>
-                        <m:e>
-                          <m:r>
-                            <a:rPr lang="en-US" sz="2000" b="0" i="1" smtClean="0">
-                              <a:solidFill>
-                                <a:srgbClr val="00B0F0"/>
-                              </a:solidFill>
-                              <a:latin typeface="Cambria Math" panose="02040503050406030204" pitchFamily="18" charset="0"/>
-                            </a:rPr>
-                            <m:t>𝑀</m:t>
-                          </m:r>
-                        </m:e>
-                        <m:sup>
-                          <m:r>
-                            <a:rPr lang="en-US" sz="2000" b="0" i="1" smtClean="0">
-                              <a:solidFill>
-                                <a:srgbClr val="00B0F0"/>
-                              </a:solidFill>
-                              <a:latin typeface="Cambria Math" panose="02040503050406030204" pitchFamily="18" charset="0"/>
-                            </a:rPr>
-                            <m:t>𝑑</m:t>
-                          </m:r>
-                        </m:sup>
-                      </m:sSup>
-                    </m:oMath>
-                  </m:oMathPara>
-                </a14:m>
-                <a:endParaRPr lang="en-US" sz="2000" dirty="0">
-                  <a:solidFill>
-                    <a:srgbClr val="00B0F0"/>
-                  </a:solidFill>
-                </a:endParaRPr>
-              </a:p>
-            </p:txBody>
-          </p:sp>
-        </mc:Choice>
-        <mc:Fallback xmlns="">
-          <p:sp>
-            <p:nvSpPr>
-              <p:cNvPr id="12" name="TextBox 11">
-                <a:extLst>
-                  <a:ext uri="{FF2B5EF4-FFF2-40B4-BE49-F238E27FC236}">
-                    <a16:creationId xmlns:a16="http://schemas.microsoft.com/office/drawing/2014/main" id="{EF7DA721-1F75-A565-6667-099988DB19FB}"/>
-                  </a:ext>
-                </a:extLst>
-              </p:cNvPr>
-              <p:cNvSpPr txBox="1">
-                <a:spLocks noRot="1" noChangeAspect="1" noMove="1" noResize="1" noEditPoints="1" noAdjustHandles="1" noChangeArrowheads="1" noChangeShapeType="1" noTextEdit="1"/>
-              </p:cNvSpPr>
-              <p:nvPr/>
-            </p:nvSpPr>
-            <p:spPr>
-              <a:xfrm>
-                <a:off x="5818175" y="5339769"/>
-                <a:ext cx="607282" cy="411779"/>
-              </a:xfrm>
-              <a:prstGeom prst="rect">
-                <a:avLst/>
-              </a:prstGeom>
-              <a:blipFill>
-                <a:blip r:embed="rId2"/>
-                <a:stretch>
-                  <a:fillRect/>
-                </a:stretch>
-              </a:blipFill>
-            </p:spPr>
-            <p:txBody>
-              <a:bodyPr/>
-              <a:lstStyle/>
-              <a:p>
-                <a:r>
-                  <a:rPr lang="en-US">
-                    <a:noFill/>
-                  </a:rPr>
-                  <a:t> </a:t>
-                </a:r>
-              </a:p>
-            </p:txBody>
-          </p:sp>
-        </mc:Fallback>
-      </mc:AlternateContent>
-      <p:cxnSp>
-        <p:nvCxnSpPr>
-          <p:cNvPr id="18" name="Straight Connector 17">
-            <a:extLst>
-              <a:ext uri="{FF2B5EF4-FFF2-40B4-BE49-F238E27FC236}">
-                <a16:creationId xmlns:a16="http://schemas.microsoft.com/office/drawing/2014/main" id="{BC8FDF74-32BF-7894-96D9-9011BF918F5E}"/>
-              </a:ext>
-            </a:extLst>
-          </p:cNvPr>
-          <p:cNvCxnSpPr>
-            <a:cxnSpLocks/>
-          </p:cNvCxnSpPr>
-          <p:nvPr/>
-        </p:nvCxnSpPr>
-        <p:spPr>
-          <a:xfrm>
-            <a:off x="4203980" y="2422147"/>
-            <a:ext cx="0" cy="3616036"/>
-          </a:xfrm>
-          <a:prstGeom prst="line">
-            <a:avLst/>
-          </a:prstGeom>
-          <a:ln w="28575">
-            <a:solidFill>
-              <a:srgbClr val="FF0000"/>
-            </a:solidFill>
-          </a:ln>
-        </p:spPr>
-        <p:style>
-          <a:lnRef idx="1">
-            <a:schemeClr val="accent1"/>
-          </a:lnRef>
-          <a:fillRef idx="0">
-            <a:schemeClr val="accent1"/>
-          </a:fillRef>
-          <a:effectRef idx="0">
-            <a:schemeClr val="accent1"/>
-          </a:effectRef>
-          <a:fontRef idx="minor">
-            <a:schemeClr val="tx1"/>
-          </a:fontRef>
-        </p:style>
-      </p:cxnSp>
-      <p:sp>
-        <p:nvSpPr>
-          <p:cNvPr id="19" name="Oval 18">
-            <a:extLst>
-              <a:ext uri="{FF2B5EF4-FFF2-40B4-BE49-F238E27FC236}">
-                <a16:creationId xmlns:a16="http://schemas.microsoft.com/office/drawing/2014/main" id="{CABD6719-4B1B-0751-FF2E-205E0B54C7C7}"/>
-              </a:ext>
-            </a:extLst>
-          </p:cNvPr>
-          <p:cNvSpPr/>
-          <p:nvPr/>
-        </p:nvSpPr>
-        <p:spPr>
-          <a:xfrm>
-            <a:off x="4158260" y="4939764"/>
-            <a:ext cx="91440" cy="91440"/>
-          </a:xfrm>
-          <a:prstGeom prst="ellipse">
-            <a:avLst/>
-          </a:prstGeom>
-          <a:solidFill>
-            <a:schemeClr val="tx1"/>
-          </a:solidFill>
-          <a:ln>
-            <a:solidFill>
-              <a:schemeClr val="tx1"/>
-            </a:solidFill>
-          </a:ln>
-        </p:spPr>
-        <p:style>
-          <a:lnRef idx="2">
-            <a:schemeClr val="accent1">
-              <a:shade val="15000"/>
-            </a:schemeClr>
-          </a:lnRef>
-          <a:fillRef idx="1">
-            <a:schemeClr val="accent1"/>
-          </a:fillRef>
-          <a:effectRef idx="0">
-            <a:schemeClr val="accent1"/>
-          </a:effectRef>
-          <a:fontRef idx="minor">
-            <a:schemeClr val="lt1"/>
-          </a:fontRef>
-        </p:style>
-        <p:txBody>
-          <a:bodyPr rtlCol="0" anchor="ctr"/>
-          <a:lstStyle/>
-          <a:p>
-            <a:pPr algn="ctr"/>
-            <a:endParaRPr lang="en-US"/>
-          </a:p>
-        </p:txBody>
-      </p:sp>
-      <p:cxnSp>
-        <p:nvCxnSpPr>
-          <p:cNvPr id="21" name="Straight Connector 20">
-            <a:extLst>
-              <a:ext uri="{FF2B5EF4-FFF2-40B4-BE49-F238E27FC236}">
-                <a16:creationId xmlns:a16="http://schemas.microsoft.com/office/drawing/2014/main" id="{45D54EAF-EA51-2099-823D-B44E2730049D}"/>
-              </a:ext>
-            </a:extLst>
-          </p:cNvPr>
-          <p:cNvCxnSpPr>
-            <a:cxnSpLocks/>
-            <a:endCxn id="19" idx="2"/>
-          </p:cNvCxnSpPr>
-          <p:nvPr/>
-        </p:nvCxnSpPr>
-        <p:spPr>
-          <a:xfrm>
-            <a:off x="2789950" y="4985484"/>
-            <a:ext cx="1368310" cy="0"/>
-          </a:xfrm>
-          <a:prstGeom prst="line">
-            <a:avLst/>
-          </a:prstGeom>
-          <a:ln>
-            <a:solidFill>
-              <a:schemeClr val="tx1"/>
-            </a:solidFill>
-            <a:prstDash val="dash"/>
-          </a:ln>
-        </p:spPr>
-        <p:style>
-          <a:lnRef idx="1">
-            <a:schemeClr val="accent1"/>
-          </a:lnRef>
-          <a:fillRef idx="0">
-            <a:schemeClr val="accent1"/>
-          </a:fillRef>
-          <a:effectRef idx="0">
-            <a:schemeClr val="accent1"/>
-          </a:effectRef>
-          <a:fontRef idx="minor">
-            <a:schemeClr val="tx1"/>
-          </a:fontRef>
-        </p:style>
-      </p:cxnSp>
-      <mc:AlternateContent xmlns:mc="http://schemas.openxmlformats.org/markup-compatibility/2006" xmlns:a14="http://schemas.microsoft.com/office/drawing/2010/main">
-        <mc:Choice Requires="a14">
-          <p:sp>
-            <p:nvSpPr>
-              <p:cNvPr id="22" name="TextBox 21">
-                <a:extLst>
-                  <a:ext uri="{FF2B5EF4-FFF2-40B4-BE49-F238E27FC236}">
-                    <a16:creationId xmlns:a16="http://schemas.microsoft.com/office/drawing/2014/main" id="{5C0BBC83-FBF0-5DC5-0427-F7EE51410737}"/>
-                  </a:ext>
-                </a:extLst>
-              </p:cNvPr>
-              <p:cNvSpPr txBox="1"/>
-              <p:nvPr/>
-            </p:nvSpPr>
-            <p:spPr>
-              <a:xfrm>
-                <a:off x="2455952" y="4794374"/>
-                <a:ext cx="307778" cy="369332"/>
-              </a:xfrm>
-              <a:prstGeom prst="rect">
-                <a:avLst/>
-              </a:prstGeom>
-              <a:noFill/>
-            </p:spPr>
-            <p:txBody>
-              <a:bodyPr wrap="square" rtlCol="0">
-                <a:spAutoFit/>
-              </a:bodyPr>
-              <a:lstStyle/>
-              <a:p>
-                <a:pPr/>
-                <a14:m>
-                  <m:oMathPara xmlns:m="http://schemas.openxmlformats.org/officeDocument/2006/math">
-                    <m:oMathParaPr>
-                      <m:jc m:val="centerGroup"/>
-                    </m:oMathParaPr>
-                    <m:oMath xmlns:m="http://schemas.openxmlformats.org/officeDocument/2006/math">
-                      <m:sSup>
-                        <m:sSupPr>
-                          <m:ctrlPr>
-                            <a:rPr lang="en-US" b="0" i="1" smtClean="0">
-                              <a:latin typeface="Cambria Math" panose="02040503050406030204" pitchFamily="18" charset="0"/>
-                            </a:rPr>
-                          </m:ctrlPr>
-                        </m:sSupPr>
-                        <m:e>
-                          <m:r>
-                            <a:rPr lang="en-US" b="0" i="1" smtClean="0">
-                              <a:latin typeface="Cambria Math" panose="02040503050406030204" pitchFamily="18" charset="0"/>
-                            </a:rPr>
-                            <m:t>𝑖</m:t>
-                          </m:r>
-                        </m:e>
-                        <m:sup>
-                          <m:r>
-                            <a:rPr lang="en-US" b="0" i="1" smtClean="0">
-                              <a:latin typeface="Cambria Math" panose="02040503050406030204" pitchFamily="18" charset="0"/>
-                            </a:rPr>
-                            <m:t>∗</m:t>
-                          </m:r>
-                        </m:sup>
-                      </m:sSup>
-                    </m:oMath>
-                  </m:oMathPara>
-                </a14:m>
-                <a:endParaRPr lang="en-US" dirty="0"/>
-              </a:p>
-            </p:txBody>
-          </p:sp>
-        </mc:Choice>
-        <mc:Fallback xmlns="">
-          <p:sp>
-            <p:nvSpPr>
-              <p:cNvPr id="22" name="TextBox 21">
-                <a:extLst>
-                  <a:ext uri="{FF2B5EF4-FFF2-40B4-BE49-F238E27FC236}">
-                    <a16:creationId xmlns:a16="http://schemas.microsoft.com/office/drawing/2014/main" id="{5C0BBC83-FBF0-5DC5-0427-F7EE51410737}"/>
-                  </a:ext>
-                </a:extLst>
-              </p:cNvPr>
-              <p:cNvSpPr txBox="1">
-                <a:spLocks noRot="1" noChangeAspect="1" noMove="1" noResize="1" noEditPoints="1" noAdjustHandles="1" noChangeArrowheads="1" noChangeShapeType="1" noTextEdit="1"/>
-              </p:cNvSpPr>
-              <p:nvPr/>
-            </p:nvSpPr>
-            <p:spPr>
-              <a:xfrm>
-                <a:off x="2455952" y="4794374"/>
-                <a:ext cx="307778" cy="369332"/>
-              </a:xfrm>
-              <a:prstGeom prst="rect">
-                <a:avLst/>
-              </a:prstGeom>
-              <a:blipFill>
-                <a:blip r:embed="rId3"/>
-                <a:stretch>
-                  <a:fillRect/>
-                </a:stretch>
-              </a:blipFill>
-            </p:spPr>
-            <p:txBody>
-              <a:bodyPr/>
-              <a:lstStyle/>
-              <a:p>
-                <a:r>
-                  <a:rPr lang="en-US">
-                    <a:noFill/>
-                  </a:rPr>
-                  <a:t> </a:t>
-                </a:r>
-              </a:p>
-            </p:txBody>
-          </p:sp>
-        </mc:Fallback>
-      </mc:AlternateContent>
-      <mc:AlternateContent xmlns:mc="http://schemas.openxmlformats.org/markup-compatibility/2006" xmlns:a14="http://schemas.microsoft.com/office/drawing/2010/main">
-        <mc:Choice Requires="a14">
-          <p:sp>
-            <p:nvSpPr>
-              <p:cNvPr id="26" name="TextBox 25">
-                <a:extLst>
-                  <a:ext uri="{FF2B5EF4-FFF2-40B4-BE49-F238E27FC236}">
-                    <a16:creationId xmlns:a16="http://schemas.microsoft.com/office/drawing/2014/main" id="{CCBEEA97-EDA8-9C79-03F3-7941E3FDFAC7}"/>
-                  </a:ext>
-                </a:extLst>
-              </p:cNvPr>
-              <p:cNvSpPr txBox="1"/>
-              <p:nvPr/>
-            </p:nvSpPr>
-            <p:spPr>
-              <a:xfrm>
-                <a:off x="4195079" y="2370905"/>
-                <a:ext cx="446290" cy="400110"/>
-              </a:xfrm>
-              <a:prstGeom prst="rect">
-                <a:avLst/>
-              </a:prstGeom>
-              <a:noFill/>
-            </p:spPr>
-            <p:txBody>
-              <a:bodyPr wrap="square" rtlCol="0">
-                <a:spAutoFit/>
-              </a:bodyPr>
-              <a:lstStyle/>
-              <a:p>
-                <a:pPr/>
-                <a14:m>
-                  <m:oMathPara xmlns:m="http://schemas.openxmlformats.org/officeDocument/2006/math">
-                    <m:oMathParaPr>
-                      <m:jc m:val="centerGroup"/>
-                    </m:oMathParaPr>
-                    <m:oMath xmlns:m="http://schemas.openxmlformats.org/officeDocument/2006/math">
-                      <m:sSup>
-                        <m:sSupPr>
-                          <m:ctrlPr>
-                            <a:rPr lang="en-US" sz="2000" b="1" i="1" smtClean="0">
-                              <a:solidFill>
-                                <a:srgbClr val="FF0000"/>
-                              </a:solidFill>
-                              <a:latin typeface="Cambria Math" panose="02040503050406030204" pitchFamily="18" charset="0"/>
-                            </a:rPr>
-                          </m:ctrlPr>
-                        </m:sSupPr>
-                        <m:e>
-                          <m:r>
-                            <a:rPr lang="en-US" sz="2000" b="1" i="1" smtClean="0">
-                              <a:solidFill>
-                                <a:srgbClr val="FF0000"/>
-                              </a:solidFill>
-                              <a:latin typeface="Cambria Math" panose="02040503050406030204" pitchFamily="18" charset="0"/>
-                            </a:rPr>
-                            <m:t>𝑴</m:t>
-                          </m:r>
-                        </m:e>
-                        <m:sup>
-                          <m:r>
-                            <a:rPr lang="en-US" sz="2000" b="1" i="1" smtClean="0">
-                              <a:solidFill>
-                                <a:srgbClr val="FF0000"/>
-                              </a:solidFill>
-                              <a:latin typeface="Cambria Math" panose="02040503050406030204" pitchFamily="18" charset="0"/>
-                            </a:rPr>
-                            <m:t>𝒔</m:t>
-                          </m:r>
-                        </m:sup>
-                      </m:sSup>
-                    </m:oMath>
-                  </m:oMathPara>
-                </a14:m>
-                <a:endParaRPr lang="en-US" sz="2000" b="1" dirty="0">
-                  <a:solidFill>
-                    <a:srgbClr val="FF0000"/>
-                  </a:solidFill>
-                </a:endParaRPr>
-              </a:p>
-            </p:txBody>
-          </p:sp>
-        </mc:Choice>
-        <mc:Fallback xmlns="">
-          <p:sp>
-            <p:nvSpPr>
-              <p:cNvPr id="26" name="TextBox 25">
-                <a:extLst>
-                  <a:ext uri="{FF2B5EF4-FFF2-40B4-BE49-F238E27FC236}">
-                    <a16:creationId xmlns:a16="http://schemas.microsoft.com/office/drawing/2014/main" id="{CCBEEA97-EDA8-9C79-03F3-7941E3FDFAC7}"/>
-                  </a:ext>
-                </a:extLst>
-              </p:cNvPr>
-              <p:cNvSpPr txBox="1">
-                <a:spLocks noRot="1" noChangeAspect="1" noMove="1" noResize="1" noEditPoints="1" noAdjustHandles="1" noChangeArrowheads="1" noChangeShapeType="1" noTextEdit="1"/>
-              </p:cNvSpPr>
-              <p:nvPr/>
-            </p:nvSpPr>
-            <p:spPr>
-              <a:xfrm>
-                <a:off x="4195079" y="2370905"/>
-                <a:ext cx="446290" cy="400110"/>
-              </a:xfrm>
-              <a:prstGeom prst="rect">
-                <a:avLst/>
-              </a:prstGeom>
-              <a:blipFill>
-                <a:blip r:embed="rId4"/>
-                <a:stretch>
-                  <a:fillRect r="-5479"/>
-                </a:stretch>
-              </a:blipFill>
-            </p:spPr>
-            <p:txBody>
-              <a:bodyPr/>
-              <a:lstStyle/>
-              <a:p>
-                <a:r>
-                  <a:rPr lang="en-US">
-                    <a:noFill/>
-                  </a:rPr>
-                  <a:t> </a:t>
-                </a:r>
-              </a:p>
-            </p:txBody>
-          </p:sp>
-        </mc:Fallback>
-      </mc:AlternateContent>
-    </p:spTree>
-    <p:extLst>
-      <p:ext uri="{BB962C8B-B14F-4D97-AF65-F5344CB8AC3E}">
-        <p14:creationId xmlns:p14="http://schemas.microsoft.com/office/powerpoint/2010/main" val="4013180384"/>
-      </p:ext>
-    </p:extLst>
-  </p:cSld>
-  <p:clrMapOvr>
-    <a:masterClrMapping/>
-  </p:clrMapOvr>
-  <p:timing>
-    <p:tnLst>
-      <p:par>
-        <p:cTn id="1" dur="indefinite" restart="never" nodeType="tmRoot">
-          <p:childTnLst>
-            <p:seq concurrent="1" nextAc="seek">
-              <p:cTn id="2" dur="indefinite" nodeType="mainSeq">
-                <p:childTnLst>
-                  <p:par>
-                    <p:cTn id="3" fill="hold">
-                      <p:stCondLst>
-                        <p:cond delay="indefinite"/>
-                        <p:cond evt="onBegin" delay="0">
-                          <p:tn val="2"/>
-                        </p:cond>
-                      </p:stCondLst>
-                      <p:childTnLst>
-                        <p:par>
-                          <p:cTn id="4" fill="hold">
-                            <p:stCondLst>
-                              <p:cond delay="0"/>
-                            </p:stCondLst>
-                            <p:childTnLst>
-                              <p:par>
-                                <p:cTn id="5" presetID="10" presetClass="entr" presetSubtype="0" fill="hold" nodeType="withEffect">
-                                  <p:stCondLst>
-                                    <p:cond delay="0"/>
-                                  </p:stCondLst>
-                                  <p:childTnLst>
-                                    <p:set>
-                                      <p:cBhvr>
-                                        <p:cTn id="6" dur="1" fill="hold">
-                                          <p:stCondLst>
-                                            <p:cond delay="0"/>
-                                          </p:stCondLst>
-                                        </p:cTn>
-                                        <p:tgtEl>
-                                          <p:spTgt spid="3">
-                                            <p:txEl>
-                                              <p:pRg st="0" end="0"/>
-                                            </p:txEl>
-                                          </p:spTgt>
-                                        </p:tgtEl>
-                                        <p:attrNameLst>
-                                          <p:attrName>style.visibility</p:attrName>
-                                        </p:attrNameLst>
-                                      </p:cBhvr>
-                                      <p:to>
-                                        <p:strVal val="visible"/>
-                                      </p:to>
-                                    </p:set>
-                                    <p:animEffect transition="in" filter="fade">
-                                      <p:cBhvr>
-                                        <p:cTn id="7" dur="500"/>
-                                        <p:tgtEl>
-                                          <p:spTgt spid="3">
-                                            <p:txEl>
-                                              <p:pRg st="0" end="0"/>
-                                            </p:txEl>
-                                          </p:spTgt>
-                                        </p:tgtEl>
-                                      </p:cBhvr>
-                                    </p:animEffect>
-                                  </p:childTnLst>
-                                </p:cTn>
-                              </p:par>
-                            </p:childTnLst>
-                          </p:cTn>
-                        </p:par>
-                      </p:childTnLst>
-                    </p:cTn>
-                  </p:par>
-                  <p:par>
-                    <p:cTn id="8" fill="hold">
-                      <p:stCondLst>
-                        <p:cond delay="indefinite"/>
-                      </p:stCondLst>
-                      <p:childTnLst>
-                        <p:par>
-                          <p:cTn id="9" fill="hold">
-                            <p:stCondLst>
-                              <p:cond delay="0"/>
-                            </p:stCondLst>
-                            <p:childTnLst>
-                              <p:par>
-                                <p:cTn id="10" presetID="10" presetClass="entr" presetSubtype="0" fill="hold" grpId="0" nodeType="clickEffect">
-                                  <p:stCondLst>
-                                    <p:cond delay="0"/>
-                                  </p:stCondLst>
-                                  <p:childTnLst>
-                                    <p:set>
-                                      <p:cBhvr>
-                                        <p:cTn id="11" dur="1" fill="hold">
-                                          <p:stCondLst>
-                                            <p:cond delay="0"/>
-                                          </p:stCondLst>
-                                        </p:cTn>
-                                        <p:tgtEl>
-                                          <p:spTgt spid="10"/>
-                                        </p:tgtEl>
-                                        <p:attrNameLst>
-                                          <p:attrName>style.visibility</p:attrName>
-                                        </p:attrNameLst>
-                                      </p:cBhvr>
-                                      <p:to>
-                                        <p:strVal val="visible"/>
-                                      </p:to>
-                                    </p:set>
-                                    <p:animEffect transition="in" filter="fade">
-                                      <p:cBhvr>
-                                        <p:cTn id="12" dur="500"/>
-                                        <p:tgtEl>
-                                          <p:spTgt spid="10"/>
-                                        </p:tgtEl>
-                                      </p:cBhvr>
-                                    </p:animEffect>
-                                  </p:childTnLst>
-                                </p:cTn>
-                              </p:par>
-                              <p:par>
-                                <p:cTn id="13" presetID="10" presetClass="entr" presetSubtype="0" fill="hold" nodeType="withEffect">
-                                  <p:stCondLst>
-                                    <p:cond delay="0"/>
-                                  </p:stCondLst>
-                                  <p:childTnLst>
-                                    <p:set>
-                                      <p:cBhvr>
-                                        <p:cTn id="14" dur="1" fill="hold">
-                                          <p:stCondLst>
-                                            <p:cond delay="0"/>
-                                          </p:stCondLst>
-                                        </p:cTn>
-                                        <p:tgtEl>
-                                          <p:spTgt spid="8"/>
-                                        </p:tgtEl>
-                                        <p:attrNameLst>
-                                          <p:attrName>style.visibility</p:attrName>
-                                        </p:attrNameLst>
-                                      </p:cBhvr>
-                                      <p:to>
-                                        <p:strVal val="visible"/>
-                                      </p:to>
-                                    </p:set>
-                                    <p:animEffect transition="in" filter="fade">
-                                      <p:cBhvr>
-                                        <p:cTn id="15" dur="500"/>
-                                        <p:tgtEl>
-                                          <p:spTgt spid="8"/>
-                                        </p:tgtEl>
-                                      </p:cBhvr>
-                                    </p:animEffect>
-                                  </p:childTnLst>
-                                </p:cTn>
-                              </p:par>
-                              <p:par>
-                                <p:cTn id="16" presetID="10" presetClass="entr" presetSubtype="0" fill="hold" nodeType="withEffect">
-                                  <p:stCondLst>
-                                    <p:cond delay="0"/>
-                                  </p:stCondLst>
-                                  <p:childTnLst>
-                                    <p:set>
-                                      <p:cBhvr>
-                                        <p:cTn id="17" dur="1" fill="hold">
-                                          <p:stCondLst>
-                                            <p:cond delay="0"/>
-                                          </p:stCondLst>
-                                        </p:cTn>
-                                        <p:tgtEl>
-                                          <p:spTgt spid="7"/>
-                                        </p:tgtEl>
-                                        <p:attrNameLst>
-                                          <p:attrName>style.visibility</p:attrName>
-                                        </p:attrNameLst>
-                                      </p:cBhvr>
-                                      <p:to>
-                                        <p:strVal val="visible"/>
-                                      </p:to>
-                                    </p:set>
-                                    <p:animEffect transition="in" filter="fade">
-                                      <p:cBhvr>
-                                        <p:cTn id="18" dur="500"/>
-                                        <p:tgtEl>
-                                          <p:spTgt spid="7"/>
-                                        </p:tgtEl>
-                                      </p:cBhvr>
-                                    </p:animEffect>
-                                  </p:childTnLst>
-                                </p:cTn>
-                              </p:par>
-                              <p:par>
-                                <p:cTn id="19" presetID="10" presetClass="entr" presetSubtype="0" fill="hold" grpId="0" nodeType="withEffect">
-                                  <p:stCondLst>
-                                    <p:cond delay="0"/>
-                                  </p:stCondLst>
-                                  <p:childTnLst>
-                                    <p:set>
-                                      <p:cBhvr>
-                                        <p:cTn id="20" dur="1" fill="hold">
-                                          <p:stCondLst>
-                                            <p:cond delay="0"/>
-                                          </p:stCondLst>
-                                        </p:cTn>
-                                        <p:tgtEl>
-                                          <p:spTgt spid="9"/>
-                                        </p:tgtEl>
-                                        <p:attrNameLst>
-                                          <p:attrName>style.visibility</p:attrName>
-                                        </p:attrNameLst>
-                                      </p:cBhvr>
-                                      <p:to>
-                                        <p:strVal val="visible"/>
-                                      </p:to>
-                                    </p:set>
-                                    <p:animEffect transition="in" filter="fade">
-                                      <p:cBhvr>
-                                        <p:cTn id="21" dur="500"/>
-                                        <p:tgtEl>
-                                          <p:spTgt spid="9"/>
-                                        </p:tgtEl>
-                                      </p:cBhvr>
-                                    </p:animEffect>
-                                  </p:childTnLst>
-                                </p:cTn>
-                              </p:par>
-                            </p:childTnLst>
-                          </p:cTn>
-                        </p:par>
-                      </p:childTnLst>
-                    </p:cTn>
-                  </p:par>
-                  <p:par>
-                    <p:cTn id="22" fill="hold">
-                      <p:stCondLst>
-                        <p:cond delay="indefinite"/>
-                      </p:stCondLst>
-                      <p:childTnLst>
-                        <p:par>
-                          <p:cTn id="23" fill="hold">
-                            <p:stCondLst>
-                              <p:cond delay="0"/>
-                            </p:stCondLst>
-                            <p:childTnLst>
-                              <p:par>
-                                <p:cTn id="24" presetID="10" presetClass="entr" presetSubtype="0" fill="hold" nodeType="clickEffect">
-                                  <p:stCondLst>
-                                    <p:cond delay="0"/>
-                                  </p:stCondLst>
-                                  <p:childTnLst>
-                                    <p:set>
-                                      <p:cBhvr>
-                                        <p:cTn id="25" dur="1" fill="hold">
-                                          <p:stCondLst>
-                                            <p:cond delay="0"/>
-                                          </p:stCondLst>
-                                        </p:cTn>
-                                        <p:tgtEl>
-                                          <p:spTgt spid="18"/>
-                                        </p:tgtEl>
-                                        <p:attrNameLst>
-                                          <p:attrName>style.visibility</p:attrName>
-                                        </p:attrNameLst>
-                                      </p:cBhvr>
-                                      <p:to>
-                                        <p:strVal val="visible"/>
-                                      </p:to>
-                                    </p:set>
-                                    <p:animEffect transition="in" filter="fade">
-                                      <p:cBhvr>
-                                        <p:cTn id="26" dur="500"/>
-                                        <p:tgtEl>
-                                          <p:spTgt spid="18"/>
-                                        </p:tgtEl>
-                                      </p:cBhvr>
-                                    </p:animEffect>
-                                  </p:childTnLst>
-                                </p:cTn>
-                              </p:par>
-                              <p:par>
-                                <p:cTn id="27" presetID="10" presetClass="entr" presetSubtype="0" fill="hold" grpId="0" nodeType="withEffect">
-                                  <p:stCondLst>
-                                    <p:cond delay="0"/>
-                                  </p:stCondLst>
-                                  <p:childTnLst>
-                                    <p:set>
-                                      <p:cBhvr>
-                                        <p:cTn id="28" dur="1" fill="hold">
-                                          <p:stCondLst>
-                                            <p:cond delay="0"/>
-                                          </p:stCondLst>
-                                        </p:cTn>
-                                        <p:tgtEl>
-                                          <p:spTgt spid="26"/>
-                                        </p:tgtEl>
-                                        <p:attrNameLst>
-                                          <p:attrName>style.visibility</p:attrName>
-                                        </p:attrNameLst>
-                                      </p:cBhvr>
-                                      <p:to>
-                                        <p:strVal val="visible"/>
-                                      </p:to>
-                                    </p:set>
-                                    <p:animEffect transition="in" filter="fade">
-                                      <p:cBhvr>
-                                        <p:cTn id="29" dur="500"/>
-                                        <p:tgtEl>
-                                          <p:spTgt spid="26"/>
-                                        </p:tgtEl>
-                                      </p:cBhvr>
-                                    </p:animEffect>
-                                  </p:childTnLst>
-                                </p:cTn>
-                              </p:par>
-                            </p:childTnLst>
-                          </p:cTn>
-                        </p:par>
-                      </p:childTnLst>
-                    </p:cTn>
-                  </p:par>
-                  <p:par>
-                    <p:cTn id="30" fill="hold">
-                      <p:stCondLst>
-                        <p:cond delay="indefinite"/>
-                      </p:stCondLst>
-                      <p:childTnLst>
-                        <p:par>
-                          <p:cTn id="31" fill="hold">
-                            <p:stCondLst>
-                              <p:cond delay="0"/>
-                            </p:stCondLst>
-                            <p:childTnLst>
-                              <p:par>
-                                <p:cTn id="32" presetID="10" presetClass="entr" presetSubtype="0" fill="hold" grpId="0" nodeType="clickEffect">
-                                  <p:stCondLst>
-                                    <p:cond delay="0"/>
-                                  </p:stCondLst>
-                                  <p:childTnLst>
-                                    <p:set>
-                                      <p:cBhvr>
-                                        <p:cTn id="33" dur="1" fill="hold">
-                                          <p:stCondLst>
-                                            <p:cond delay="0"/>
-                                          </p:stCondLst>
-                                        </p:cTn>
-                                        <p:tgtEl>
-                                          <p:spTgt spid="11"/>
-                                        </p:tgtEl>
-                                        <p:attrNameLst>
-                                          <p:attrName>style.visibility</p:attrName>
-                                        </p:attrNameLst>
-                                      </p:cBhvr>
-                                      <p:to>
-                                        <p:strVal val="visible"/>
-                                      </p:to>
-                                    </p:set>
-                                    <p:animEffect transition="in" filter="fade">
-                                      <p:cBhvr>
-                                        <p:cTn id="34" dur="500"/>
-                                        <p:tgtEl>
-                                          <p:spTgt spid="11"/>
-                                        </p:tgtEl>
-                                      </p:cBhvr>
-                                    </p:animEffect>
-                                  </p:childTnLst>
-                                </p:cTn>
-                              </p:par>
-                              <p:par>
-                                <p:cTn id="35" presetID="10" presetClass="entr" presetSubtype="0" fill="hold" grpId="0" nodeType="withEffect">
-                                  <p:stCondLst>
-                                    <p:cond delay="0"/>
-                                  </p:stCondLst>
-                                  <p:childTnLst>
-                                    <p:set>
-                                      <p:cBhvr>
-                                        <p:cTn id="36" dur="1" fill="hold">
-                                          <p:stCondLst>
-                                            <p:cond delay="0"/>
-                                          </p:stCondLst>
-                                        </p:cTn>
-                                        <p:tgtEl>
-                                          <p:spTgt spid="12"/>
-                                        </p:tgtEl>
-                                        <p:attrNameLst>
-                                          <p:attrName>style.visibility</p:attrName>
-                                        </p:attrNameLst>
-                                      </p:cBhvr>
-                                      <p:to>
-                                        <p:strVal val="visible"/>
-                                      </p:to>
-                                    </p:set>
-                                    <p:animEffect transition="in" filter="fade">
-                                      <p:cBhvr>
-                                        <p:cTn id="37" dur="500"/>
-                                        <p:tgtEl>
-                                          <p:spTgt spid="12"/>
-                                        </p:tgtEl>
-                                      </p:cBhvr>
-                                    </p:animEffect>
-                                  </p:childTnLst>
-                                </p:cTn>
-                              </p:par>
-                            </p:childTnLst>
-                          </p:cTn>
-                        </p:par>
-                      </p:childTnLst>
-                    </p:cTn>
-                  </p:par>
-                  <p:par>
-                    <p:cTn id="38" fill="hold">
-                      <p:stCondLst>
-                        <p:cond delay="indefinite"/>
-                      </p:stCondLst>
-                      <p:childTnLst>
-                        <p:par>
-                          <p:cTn id="39" fill="hold">
-                            <p:stCondLst>
-                              <p:cond delay="0"/>
-                            </p:stCondLst>
-                            <p:childTnLst>
-                              <p:par>
-                                <p:cTn id="40" presetID="10" presetClass="entr" presetSubtype="0" fill="hold" grpId="0" nodeType="clickEffect">
-                                  <p:stCondLst>
-                                    <p:cond delay="0"/>
-                                  </p:stCondLst>
-                                  <p:childTnLst>
-                                    <p:set>
-                                      <p:cBhvr>
-                                        <p:cTn id="41" dur="1" fill="hold">
-                                          <p:stCondLst>
-                                            <p:cond delay="0"/>
-                                          </p:stCondLst>
-                                        </p:cTn>
-                                        <p:tgtEl>
-                                          <p:spTgt spid="19"/>
-                                        </p:tgtEl>
-                                        <p:attrNameLst>
-                                          <p:attrName>style.visibility</p:attrName>
-                                        </p:attrNameLst>
-                                      </p:cBhvr>
-                                      <p:to>
-                                        <p:strVal val="visible"/>
-                                      </p:to>
-                                    </p:set>
-                                    <p:animEffect transition="in" filter="fade">
-                                      <p:cBhvr>
-                                        <p:cTn id="42" dur="500"/>
-                                        <p:tgtEl>
-                                          <p:spTgt spid="19"/>
-                                        </p:tgtEl>
-                                      </p:cBhvr>
-                                    </p:animEffect>
-                                  </p:childTnLst>
-                                </p:cTn>
-                              </p:par>
-                              <p:par>
-                                <p:cTn id="43" presetID="10" presetClass="entr" presetSubtype="0" fill="hold" grpId="0" nodeType="withEffect">
-                                  <p:stCondLst>
-                                    <p:cond delay="0"/>
-                                  </p:stCondLst>
-                                  <p:childTnLst>
-                                    <p:set>
-                                      <p:cBhvr>
-                                        <p:cTn id="44" dur="1" fill="hold">
-                                          <p:stCondLst>
-                                            <p:cond delay="0"/>
-                                          </p:stCondLst>
-                                        </p:cTn>
-                                        <p:tgtEl>
-                                          <p:spTgt spid="22"/>
-                                        </p:tgtEl>
-                                        <p:attrNameLst>
-                                          <p:attrName>style.visibility</p:attrName>
-                                        </p:attrNameLst>
-                                      </p:cBhvr>
-                                      <p:to>
-                                        <p:strVal val="visible"/>
-                                      </p:to>
-                                    </p:set>
-                                    <p:animEffect transition="in" filter="fade">
-                                      <p:cBhvr>
-                                        <p:cTn id="45" dur="500"/>
-                                        <p:tgtEl>
-                                          <p:spTgt spid="22"/>
-                                        </p:tgtEl>
-                                      </p:cBhvr>
-                                    </p:animEffect>
-                                  </p:childTnLst>
-                                </p:cTn>
-                              </p:par>
-                              <p:par>
-                                <p:cTn id="46" presetID="10" presetClass="entr" presetSubtype="0" fill="hold" nodeType="withEffect">
-                                  <p:stCondLst>
-                                    <p:cond delay="0"/>
-                                  </p:stCondLst>
-                                  <p:childTnLst>
-                                    <p:set>
-                                      <p:cBhvr>
-                                        <p:cTn id="47" dur="1" fill="hold">
-                                          <p:stCondLst>
-                                            <p:cond delay="0"/>
-                                          </p:stCondLst>
-                                        </p:cTn>
-                                        <p:tgtEl>
-                                          <p:spTgt spid="21"/>
-                                        </p:tgtEl>
-                                        <p:attrNameLst>
-                                          <p:attrName>style.visibility</p:attrName>
-                                        </p:attrNameLst>
-                                      </p:cBhvr>
-                                      <p:to>
-                                        <p:strVal val="visible"/>
-                                      </p:to>
-                                    </p:set>
-                                    <p:animEffect transition="in" filter="fade">
-                                      <p:cBhvr>
-                                        <p:cTn id="48" dur="500"/>
-                                        <p:tgtEl>
-                                          <p:spTgt spid="21"/>
-                                        </p:tgtEl>
-                                      </p:cBhvr>
-                                    </p:animEffect>
-                                  </p:childTnLst>
-                                </p:cTn>
-                              </p:par>
-                            </p:childTnLst>
-                          </p:cTn>
-                        </p:par>
-                      </p:childTnLst>
-                    </p:cTn>
-                  </p:par>
-                </p:childTnLst>
-              </p:cTn>
-              <p:prevCondLst>
-                <p:cond evt="onPrev" delay="0">
-                  <p:tgtEl>
-                    <p:sldTgt/>
-                  </p:tgtEl>
-                </p:cond>
-              </p:prevCondLst>
-              <p:nextCondLst>
-                <p:cond evt="onNext" delay="0">
-                  <p:tgtEl>
-                    <p:sldTgt/>
-                  </p:tgtEl>
-                </p:cond>
-              </p:nextCondLst>
-            </p:seq>
-          </p:childTnLst>
-        </p:cTn>
-      </p:par>
-    </p:tnLst>
-    <p:bldLst>
-      <p:bldP spid="9" grpId="0"/>
-      <p:bldP spid="10" grpId="0"/>
-      <p:bldP spid="11" grpId="0" animBg="1"/>
-      <p:bldP spid="12" grpId="0"/>
-      <p:bldP spid="19" grpId="0" animBg="1"/>
-      <p:bldP spid="22" grpId="0"/>
-      <p:bldP spid="26" grpId="0"/>
-    </p:bldLst>
-  </p:timing>
-</p:sld>
-</file>
-
-<file path=ppt/slides/slide12.xml><?xml version="1.0" encoding="utf-8"?>
-<p:sld xmlns:a="http://schemas.openxmlformats.org/drawingml/2006/main" xmlns:r="http://schemas.openxmlformats.org/officeDocument/2006/relationships" xmlns:p="http://schemas.openxmlformats.org/presentationml/2006/main">
-  <p:cSld>
-    <p:spTree>
-      <p:nvGrpSpPr>
-        <p:cNvPr id="1" name="">
-          <a:extLst>
-            <a:ext uri="{FF2B5EF4-FFF2-40B4-BE49-F238E27FC236}">
-              <a16:creationId xmlns:a16="http://schemas.microsoft.com/office/drawing/2014/main" id="{9733E13E-28F3-4D5A-DF36-39A69CCAEB4A}"/>
-            </a:ext>
-          </a:extLst>
-        </p:cNvPr>
-        <p:cNvGrpSpPr/>
-        <p:nvPr/>
-      </p:nvGrpSpPr>
-      <p:grpSpPr>
-        <a:xfrm>
-          <a:off x="0" y="0"/>
-          <a:ext cx="0" cy="0"/>
-          <a:chOff x="0" y="0"/>
-          <a:chExt cx="0" cy="0"/>
-        </a:xfrm>
-      </p:grpSpPr>
-      <p:sp>
-        <p:nvSpPr>
-          <p:cNvPr id="2" name="Title 1">
-            <a:extLst>
-              <a:ext uri="{FF2B5EF4-FFF2-40B4-BE49-F238E27FC236}">
-                <a16:creationId xmlns:a16="http://schemas.microsoft.com/office/drawing/2014/main" id="{60B257FE-3B29-1F99-2971-18FFAE82A8A9}"/>
-              </a:ext>
-            </a:extLst>
-          </p:cNvPr>
-          <p:cNvSpPr>
-            <a:spLocks noGrp="1"/>
-          </p:cNvSpPr>
-          <p:nvPr>
-            <p:ph type="title"/>
-          </p:nvPr>
-        </p:nvSpPr>
-        <p:spPr/>
-        <p:txBody>
-          <a:bodyPr/>
-          <a:lstStyle/>
-          <a:p>
-            <a:r>
-              <a:rPr lang="en-US" dirty="0"/>
-              <a:t>Problem 3.B.</a:t>
-            </a:r>
-          </a:p>
-        </p:txBody>
-      </p:sp>
-      <p:sp>
-        <p:nvSpPr>
-          <p:cNvPr id="3" name="Content Placeholder 2">
-            <a:extLst>
-              <a:ext uri="{FF2B5EF4-FFF2-40B4-BE49-F238E27FC236}">
-                <a16:creationId xmlns:a16="http://schemas.microsoft.com/office/drawing/2014/main" id="{6E250E9B-6597-B043-FE63-EABA1D1B7D30}"/>
-              </a:ext>
-            </a:extLst>
-          </p:cNvPr>
-          <p:cNvSpPr>
-            <a:spLocks noGrp="1"/>
-          </p:cNvSpPr>
-          <p:nvPr>
-            <p:ph idx="1"/>
-          </p:nvPr>
-        </p:nvSpPr>
-        <p:spPr/>
-        <p:txBody>
-          <a:bodyPr/>
-          <a:lstStyle/>
-          <a:p>
-            <a:r>
-              <a:rPr lang="en-US" dirty="0"/>
-              <a:t>What happens when Money Demand increases?</a:t>
-            </a:r>
-          </a:p>
-          <a:p>
-            <a:endParaRPr lang="en-US" sz="500" dirty="0"/>
-          </a:p>
-        </p:txBody>
-      </p:sp>
-      <p:sp>
-        <p:nvSpPr>
-          <p:cNvPr id="4" name="Date Placeholder 3">
-            <a:extLst>
-              <a:ext uri="{FF2B5EF4-FFF2-40B4-BE49-F238E27FC236}">
-                <a16:creationId xmlns:a16="http://schemas.microsoft.com/office/drawing/2014/main" id="{61C19871-024E-86B5-2C8B-1F8F138832EE}"/>
-              </a:ext>
-            </a:extLst>
-          </p:cNvPr>
-          <p:cNvSpPr>
-            <a:spLocks noGrp="1"/>
-          </p:cNvSpPr>
-          <p:nvPr>
-            <p:ph type="dt" sz="half" idx="10"/>
-          </p:nvPr>
-        </p:nvSpPr>
-        <p:spPr/>
-        <p:txBody>
-          <a:bodyPr/>
-          <a:lstStyle/>
-          <a:p>
-            <a:r>
-              <a:rPr lang="en-US"/>
-              <a:t>Spring 2024</a:t>
-            </a:r>
-            <a:endParaRPr lang="en-US" dirty="0"/>
-          </a:p>
-        </p:txBody>
-      </p:sp>
-      <p:sp>
-        <p:nvSpPr>
-          <p:cNvPr id="5" name="Footer Placeholder 4">
-            <a:extLst>
-              <a:ext uri="{FF2B5EF4-FFF2-40B4-BE49-F238E27FC236}">
-                <a16:creationId xmlns:a16="http://schemas.microsoft.com/office/drawing/2014/main" id="{5BA540FD-CC7D-4EC2-D4FA-83E9A170E791}"/>
-              </a:ext>
-            </a:extLst>
-          </p:cNvPr>
-          <p:cNvSpPr>
-            <a:spLocks noGrp="1"/>
-          </p:cNvSpPr>
-          <p:nvPr>
-            <p:ph type="ftr" sz="quarter" idx="11"/>
-          </p:nvPr>
-        </p:nvSpPr>
-        <p:spPr/>
-        <p:txBody>
-          <a:bodyPr/>
-          <a:lstStyle/>
-          <a:p>
-            <a:r>
-              <a:rPr lang="en-US" dirty="0"/>
-              <a:t>DEPARTMENT OF BUSINESS &amp; ECONOMICS</a:t>
-            </a:r>
-          </a:p>
-        </p:txBody>
-      </p:sp>
-      <p:sp>
-        <p:nvSpPr>
-          <p:cNvPr id="6" name="Slide Number Placeholder 5">
-            <a:extLst>
-              <a:ext uri="{FF2B5EF4-FFF2-40B4-BE49-F238E27FC236}">
-                <a16:creationId xmlns:a16="http://schemas.microsoft.com/office/drawing/2014/main" id="{E479932B-C1EC-1C43-2517-7918AF89A31E}"/>
-              </a:ext>
-            </a:extLst>
-          </p:cNvPr>
-          <p:cNvSpPr>
-            <a:spLocks noGrp="1"/>
-          </p:cNvSpPr>
-          <p:nvPr>
-            <p:ph type="sldNum" sz="quarter" idx="12"/>
-          </p:nvPr>
-        </p:nvSpPr>
-        <p:spPr/>
-        <p:txBody>
-          <a:bodyPr/>
-          <a:lstStyle/>
-          <a:p>
-            <a:fld id="{1A980C56-831A-4EAB-9EDE-57C090F4F877}" type="slidenum">
-              <a:rPr lang="en-US" smtClean="0"/>
-              <a:t>12</a:t>
             </a:fld>
             <a:endParaRPr lang="en-US" dirty="0"/>
           </a:p>
@@ -8506,7 +6419,7 @@
 </p:sld>
 </file>
 
-<file path=ppt/slides/slide13.xml><?xml version="1.0" encoding="utf-8"?>
+<file path=ppt/slides/slide11.xml><?xml version="1.0" encoding="utf-8"?>
 <p:sld xmlns:a="http://schemas.openxmlformats.org/drawingml/2006/main" xmlns:r="http://schemas.openxmlformats.org/officeDocument/2006/relationships" xmlns:p="http://schemas.openxmlformats.org/presentationml/2006/main">
   <p:cSld>
     <p:spTree>
@@ -8720,7 +6633,7 @@
           <a:p>
             <a:r>
               <a:rPr lang="en-US"/>
-              <a:t>Spring 2024</a:t>
+              <a:t>ECON 301</a:t>
             </a:r>
             <a:endParaRPr lang="en-US" dirty="0"/>
           </a:p>
@@ -8777,7 +6690,7 @@
           <a:p>
             <a:fld id="{1A980C56-831A-4EAB-9EDE-57C090F4F877}" type="slidenum">
               <a:rPr lang="en-US" smtClean="0"/>
-              <a:t>13</a:t>
+              <a:t>11</a:t>
             </a:fld>
             <a:endParaRPr lang="en-US" dirty="0"/>
           </a:p>
@@ -9012,7 +6925,7 @@
 </p:sld>
 </file>
 
-<file path=ppt/slides/slide14.xml><?xml version="1.0" encoding="utf-8"?>
+<file path=ppt/slides/slide12.xml><?xml version="1.0" encoding="utf-8"?>
 <p:sld xmlns:a="http://schemas.openxmlformats.org/drawingml/2006/main" xmlns:r="http://schemas.openxmlformats.org/officeDocument/2006/relationships" xmlns:p="http://schemas.openxmlformats.org/presentationml/2006/main">
   <p:cSld>
     <p:spTree>
@@ -9142,7 +7055,7 @@
           <a:p>
             <a:r>
               <a:rPr lang="en-US"/>
-              <a:t>Spring 2024</a:t>
+              <a:t>ECON 301</a:t>
             </a:r>
             <a:endParaRPr lang="en-US" dirty="0"/>
           </a:p>
@@ -9199,7 +7112,7 @@
           <a:p>
             <a:fld id="{1A980C56-831A-4EAB-9EDE-57C090F4F877}" type="slidenum">
               <a:rPr lang="en-US" smtClean="0"/>
-              <a:t>14</a:t>
+              <a:t>12</a:t>
             </a:fld>
             <a:endParaRPr lang="en-US" dirty="0"/>
           </a:p>
@@ -12767,7 +10680,7 @@
 </p:sld>
 </file>
 
-<file path=ppt/slides/slide15.xml><?xml version="1.0" encoding="utf-8"?>
+<file path=ppt/slides/slide13.xml><?xml version="1.0" encoding="utf-8"?>
 <p:sld xmlns:a="http://schemas.openxmlformats.org/drawingml/2006/main" xmlns:r="http://schemas.openxmlformats.org/officeDocument/2006/relationships" xmlns:p="http://schemas.openxmlformats.org/presentationml/2006/main">
   <p:cSld>
     <p:spTree>
@@ -12841,7 +10754,7 @@
           <a:p>
             <a:r>
               <a:rPr lang="en-US"/>
-              <a:t>Spring 2024</a:t>
+              <a:t>ECON 301</a:t>
             </a:r>
             <a:endParaRPr lang="en-US" dirty="0"/>
           </a:p>
@@ -12898,7 +10811,7 @@
           <a:p>
             <a:fld id="{1A980C56-831A-4EAB-9EDE-57C090F4F877}" type="slidenum">
               <a:rPr lang="en-US" smtClean="0"/>
-              <a:t>15</a:t>
+              <a:t>13</a:t>
             </a:fld>
             <a:endParaRPr lang="en-US" dirty="0"/>
           </a:p>
@@ -15452,7 +13365,7 @@
 </p:sld>
 </file>
 
-<file path=ppt/slides/slide16.xml><?xml version="1.0" encoding="utf-8"?>
+<file path=ppt/slides/slide14.xml><?xml version="1.0" encoding="utf-8"?>
 <p:sld xmlns:a="http://schemas.openxmlformats.org/drawingml/2006/main" xmlns:r="http://schemas.openxmlformats.org/officeDocument/2006/relationships" xmlns:p="http://schemas.openxmlformats.org/presentationml/2006/main">
   <p:cSld>
     <p:spTree>
@@ -16034,7 +13947,7 @@
           <a:p>
             <a:r>
               <a:rPr lang="en-US"/>
-              <a:t>Spring 2024</a:t>
+              <a:t>ECON 301</a:t>
             </a:r>
             <a:endParaRPr lang="en-US" dirty="0"/>
           </a:p>
@@ -16091,7 +14004,7 @@
           <a:p>
             <a:fld id="{1A980C56-831A-4EAB-9EDE-57C090F4F877}" type="slidenum">
               <a:rPr lang="en-US" smtClean="0"/>
-              <a:t>16</a:t>
+              <a:t>14</a:t>
             </a:fld>
             <a:endParaRPr lang="en-US" dirty="0"/>
           </a:p>
@@ -16721,492 +14634,6 @@
           <a:p>
             <a:r>
               <a:rPr lang="en-US" dirty="0"/>
-              <a:t>Final Exam Reminders</a:t>
-            </a:r>
-          </a:p>
-        </p:txBody>
-      </p:sp>
-      <p:sp>
-        <p:nvSpPr>
-          <p:cNvPr id="3" name="Content Placeholder 2">
-            <a:extLst>
-              <a:ext uri="{FF2B5EF4-FFF2-40B4-BE49-F238E27FC236}">
-                <a16:creationId xmlns:a16="http://schemas.microsoft.com/office/drawing/2014/main" id="{B8B4D1D4-EA4B-DF09-BAF9-16891DCF122C}"/>
-              </a:ext>
-            </a:extLst>
-          </p:cNvPr>
-          <p:cNvSpPr>
-            <a:spLocks noGrp="1"/>
-          </p:cNvSpPr>
-          <p:nvPr>
-            <p:ph idx="1"/>
-          </p:nvPr>
-        </p:nvSpPr>
-        <p:spPr/>
-        <p:txBody>
-          <a:bodyPr>
-            <a:normAutofit/>
-          </a:bodyPr>
-          <a:lstStyle/>
-          <a:p>
-            <a:r>
-              <a:rPr lang="en-US" dirty="0"/>
-              <a:t>Expanded office hours today and tomorrow: ~ 10:30 PM</a:t>
-            </a:r>
-          </a:p>
-          <a:p>
-            <a:pPr marL="1371600" lvl="3" indent="0">
-              <a:buNone/>
-            </a:pPr>
-            <a:endParaRPr lang="en-US" dirty="0"/>
-          </a:p>
-          <a:p>
-            <a:r>
-              <a:rPr lang="en-US" dirty="0"/>
-              <a:t>Final Exam: May 8</a:t>
-            </a:r>
-            <a:r>
-              <a:rPr lang="en-US" baseline="30000" dirty="0"/>
-              <a:t>th</a:t>
-            </a:r>
-            <a:r>
-              <a:rPr lang="en-US" dirty="0"/>
-              <a:t> in-class (12:00 PM ~ 12:50 PM)</a:t>
-            </a:r>
-          </a:p>
-          <a:p>
-            <a:pPr lvl="1"/>
-            <a:r>
-              <a:rPr lang="en-US" dirty="0"/>
-              <a:t>Complete the online course evaluations, and show proof of completion (screenshot, or a photo of completion)</a:t>
-            </a:r>
-          </a:p>
-          <a:p>
-            <a:pPr lvl="1"/>
-            <a:r>
-              <a:rPr lang="en-US" dirty="0"/>
-              <a:t>Confirm and sign the Pre-Final Exam Grade Reports and submit it on the day of the final exam.</a:t>
-            </a:r>
-          </a:p>
-          <a:p>
-            <a:pPr lvl="1"/>
-            <a:r>
-              <a:rPr lang="en-US" dirty="0"/>
-              <a:t>Bring the official cheat sheet and a calculator.</a:t>
-            </a:r>
-          </a:p>
-          <a:p>
-            <a:pPr lvl="3"/>
-            <a:endParaRPr lang="en-US" dirty="0"/>
-          </a:p>
-          <a:p>
-            <a:r>
-              <a:rPr lang="en-US" dirty="0"/>
-              <a:t>Checking Graded Results / Recovery Office Hours</a:t>
-            </a:r>
-          </a:p>
-          <a:p>
-            <a:pPr lvl="1"/>
-            <a:r>
-              <a:rPr lang="en-US" dirty="0"/>
-              <a:t>May 10</a:t>
-            </a:r>
-            <a:r>
-              <a:rPr lang="en-US" baseline="30000" dirty="0"/>
-              <a:t>th</a:t>
-            </a:r>
-            <a:r>
-              <a:rPr lang="en-US" dirty="0"/>
-              <a:t> (Fri) 6:30 PM ~ 9:30 PM</a:t>
-            </a:r>
-          </a:p>
-          <a:p>
-            <a:pPr lvl="1"/>
-            <a:r>
-              <a:rPr lang="en-US" dirty="0"/>
-              <a:t>Send me an email if you cannot make it (or would like more time)</a:t>
-            </a:r>
-          </a:p>
-          <a:p>
-            <a:endParaRPr lang="en-US" dirty="0"/>
-          </a:p>
-        </p:txBody>
-      </p:sp>
-      <p:sp>
-        <p:nvSpPr>
-          <p:cNvPr id="4" name="Date Placeholder 3">
-            <a:extLst>
-              <a:ext uri="{FF2B5EF4-FFF2-40B4-BE49-F238E27FC236}">
-                <a16:creationId xmlns:a16="http://schemas.microsoft.com/office/drawing/2014/main" id="{1BFB0351-3B31-0A13-EF20-C4A3CC072A19}"/>
-              </a:ext>
-            </a:extLst>
-          </p:cNvPr>
-          <p:cNvSpPr>
-            <a:spLocks noGrp="1"/>
-          </p:cNvSpPr>
-          <p:nvPr>
-            <p:ph type="dt" sz="half" idx="10"/>
-          </p:nvPr>
-        </p:nvSpPr>
-        <p:spPr/>
-        <p:txBody>
-          <a:bodyPr/>
-          <a:lstStyle/>
-          <a:p>
-            <a:r>
-              <a:rPr lang="en-US"/>
-              <a:t>Spring 2024</a:t>
-            </a:r>
-            <a:endParaRPr lang="en-US" dirty="0"/>
-          </a:p>
-        </p:txBody>
-      </p:sp>
-      <p:sp>
-        <p:nvSpPr>
-          <p:cNvPr id="5" name="Footer Placeholder 4">
-            <a:extLst>
-              <a:ext uri="{FF2B5EF4-FFF2-40B4-BE49-F238E27FC236}">
-                <a16:creationId xmlns:a16="http://schemas.microsoft.com/office/drawing/2014/main" id="{A9233D7A-D6BD-BE76-F1E0-6547AA8CCAD4}"/>
-              </a:ext>
-            </a:extLst>
-          </p:cNvPr>
-          <p:cNvSpPr>
-            <a:spLocks noGrp="1"/>
-          </p:cNvSpPr>
-          <p:nvPr>
-            <p:ph type="ftr" sz="quarter" idx="11"/>
-          </p:nvPr>
-        </p:nvSpPr>
-        <p:spPr/>
-        <p:txBody>
-          <a:bodyPr/>
-          <a:lstStyle/>
-          <a:p>
-            <a:r>
-              <a:rPr lang="en-US" dirty="0"/>
-              <a:t>DEPARTMENT OF BUSINESS &amp; ECONOMICS</a:t>
-            </a:r>
-          </a:p>
-        </p:txBody>
-      </p:sp>
-      <p:sp>
-        <p:nvSpPr>
-          <p:cNvPr id="6" name="Slide Number Placeholder 5">
-            <a:extLst>
-              <a:ext uri="{FF2B5EF4-FFF2-40B4-BE49-F238E27FC236}">
-                <a16:creationId xmlns:a16="http://schemas.microsoft.com/office/drawing/2014/main" id="{99292573-8F29-6580-AFF7-797F8A981971}"/>
-              </a:ext>
-            </a:extLst>
-          </p:cNvPr>
-          <p:cNvSpPr>
-            <a:spLocks noGrp="1"/>
-          </p:cNvSpPr>
-          <p:nvPr>
-            <p:ph type="sldNum" sz="quarter" idx="12"/>
-          </p:nvPr>
-        </p:nvSpPr>
-        <p:spPr/>
-        <p:txBody>
-          <a:bodyPr/>
-          <a:lstStyle/>
-          <a:p>
-            <a:fld id="{1A980C56-831A-4EAB-9EDE-57C090F4F877}" type="slidenum">
-              <a:rPr lang="en-US" smtClean="0"/>
-              <a:t>2</a:t>
-            </a:fld>
-            <a:endParaRPr lang="en-US" dirty="0"/>
-          </a:p>
-        </p:txBody>
-      </p:sp>
-    </p:spTree>
-    <p:extLst>
-      <p:ext uri="{BB962C8B-B14F-4D97-AF65-F5344CB8AC3E}">
-        <p14:creationId xmlns:p14="http://schemas.microsoft.com/office/powerpoint/2010/main" val="3965312490"/>
-      </p:ext>
-    </p:extLst>
-  </p:cSld>
-  <p:clrMapOvr>
-    <a:masterClrMapping/>
-  </p:clrMapOvr>
-</p:sld>
-</file>
-
-<file path=ppt/slides/slide3.xml><?xml version="1.0" encoding="utf-8"?>
-<p:sld xmlns:a="http://schemas.openxmlformats.org/drawingml/2006/main" xmlns:r="http://schemas.openxmlformats.org/officeDocument/2006/relationships" xmlns:p="http://schemas.openxmlformats.org/presentationml/2006/main">
-  <p:cSld>
-    <p:spTree>
-      <p:nvGrpSpPr>
-        <p:cNvPr id="1" name=""/>
-        <p:cNvGrpSpPr/>
-        <p:nvPr/>
-      </p:nvGrpSpPr>
-      <p:grpSpPr>
-        <a:xfrm>
-          <a:off x="0" y="0"/>
-          <a:ext cx="0" cy="0"/>
-          <a:chOff x="0" y="0"/>
-          <a:chExt cx="0" cy="0"/>
-        </a:xfrm>
-      </p:grpSpPr>
-      <p:sp>
-        <p:nvSpPr>
-          <p:cNvPr id="2" name="Title 1">
-            <a:extLst>
-              <a:ext uri="{FF2B5EF4-FFF2-40B4-BE49-F238E27FC236}">
-                <a16:creationId xmlns:a16="http://schemas.microsoft.com/office/drawing/2014/main" id="{D695E1D0-AC50-75BC-2F86-0F207240C764}"/>
-              </a:ext>
-            </a:extLst>
-          </p:cNvPr>
-          <p:cNvSpPr>
-            <a:spLocks noGrp="1"/>
-          </p:cNvSpPr>
-          <p:nvPr>
-            <p:ph type="title"/>
-          </p:nvPr>
-        </p:nvSpPr>
-        <p:spPr/>
-        <p:txBody>
-          <a:bodyPr/>
-          <a:lstStyle/>
-          <a:p>
-            <a:r>
-              <a:rPr lang="en-US" dirty="0"/>
-              <a:t>Final Exam Statistics</a:t>
-            </a:r>
-          </a:p>
-        </p:txBody>
-      </p:sp>
-      <p:sp>
-        <p:nvSpPr>
-          <p:cNvPr id="3" name="Content Placeholder 2">
-            <a:extLst>
-              <a:ext uri="{FF2B5EF4-FFF2-40B4-BE49-F238E27FC236}">
-                <a16:creationId xmlns:a16="http://schemas.microsoft.com/office/drawing/2014/main" id="{B8B4D1D4-EA4B-DF09-BAF9-16891DCF122C}"/>
-              </a:ext>
-            </a:extLst>
-          </p:cNvPr>
-          <p:cNvSpPr>
-            <a:spLocks noGrp="1"/>
-          </p:cNvSpPr>
-          <p:nvPr>
-            <p:ph idx="1"/>
-          </p:nvPr>
-        </p:nvSpPr>
-        <p:spPr/>
-        <p:txBody>
-          <a:bodyPr>
-            <a:normAutofit/>
-          </a:bodyPr>
-          <a:lstStyle/>
-          <a:p>
-            <a:r>
-              <a:rPr lang="en-US" dirty="0"/>
-              <a:t>9 Pages</a:t>
-            </a:r>
-          </a:p>
-          <a:p>
-            <a:r>
-              <a:rPr lang="en-US" dirty="0"/>
-              <a:t>5 Problems with 20 sub-questions</a:t>
-            </a:r>
-          </a:p>
-          <a:p>
-            <a:r>
-              <a:rPr lang="en-US" dirty="0"/>
-              <a:t>5 Definitions</a:t>
-            </a:r>
-          </a:p>
-          <a:p>
-            <a:r>
-              <a:rPr lang="en-US" dirty="0"/>
-              <a:t>5 True / False Questions</a:t>
-            </a:r>
-          </a:p>
-          <a:p>
-            <a:r>
-              <a:rPr lang="en-US" dirty="0"/>
-              <a:t>3 Short Answer Questions</a:t>
-            </a:r>
-          </a:p>
-          <a:p>
-            <a:endParaRPr lang="en-US" dirty="0"/>
-          </a:p>
-          <a:p>
-            <a:r>
-              <a:rPr lang="en-US" dirty="0"/>
-              <a:t>Priority</a:t>
-            </a:r>
-          </a:p>
-          <a:p>
-            <a:pPr lvl="1"/>
-            <a:r>
-              <a:rPr lang="en-US" dirty="0"/>
-              <a:t>Essential: Quiz, Lecture Slides</a:t>
-            </a:r>
-          </a:p>
-          <a:p>
-            <a:pPr lvl="1"/>
-            <a:r>
-              <a:rPr lang="en-US" dirty="0"/>
-              <a:t>Recommended: Textbook</a:t>
-            </a:r>
-          </a:p>
-          <a:p>
-            <a:pPr lvl="1"/>
-            <a:r>
-              <a:rPr lang="en-US" dirty="0"/>
-              <a:t>Optional: </a:t>
-            </a:r>
-            <a:r>
-              <a:rPr lang="en-US" dirty="0" err="1"/>
-              <a:t>MyLab</a:t>
-            </a:r>
-            <a:r>
-              <a:rPr lang="en-US" dirty="0"/>
-              <a:t> Homework</a:t>
-            </a:r>
-          </a:p>
-        </p:txBody>
-      </p:sp>
-      <p:sp>
-        <p:nvSpPr>
-          <p:cNvPr id="4" name="Date Placeholder 3">
-            <a:extLst>
-              <a:ext uri="{FF2B5EF4-FFF2-40B4-BE49-F238E27FC236}">
-                <a16:creationId xmlns:a16="http://schemas.microsoft.com/office/drawing/2014/main" id="{1BFB0351-3B31-0A13-EF20-C4A3CC072A19}"/>
-              </a:ext>
-            </a:extLst>
-          </p:cNvPr>
-          <p:cNvSpPr>
-            <a:spLocks noGrp="1"/>
-          </p:cNvSpPr>
-          <p:nvPr>
-            <p:ph type="dt" sz="half" idx="10"/>
-          </p:nvPr>
-        </p:nvSpPr>
-        <p:spPr/>
-        <p:txBody>
-          <a:bodyPr/>
-          <a:lstStyle/>
-          <a:p>
-            <a:r>
-              <a:rPr lang="en-US"/>
-              <a:t>Spring 2024</a:t>
-            </a:r>
-            <a:endParaRPr lang="en-US" dirty="0"/>
-          </a:p>
-        </p:txBody>
-      </p:sp>
-      <p:sp>
-        <p:nvSpPr>
-          <p:cNvPr id="5" name="Footer Placeholder 4">
-            <a:extLst>
-              <a:ext uri="{FF2B5EF4-FFF2-40B4-BE49-F238E27FC236}">
-                <a16:creationId xmlns:a16="http://schemas.microsoft.com/office/drawing/2014/main" id="{A9233D7A-D6BD-BE76-F1E0-6547AA8CCAD4}"/>
-              </a:ext>
-            </a:extLst>
-          </p:cNvPr>
-          <p:cNvSpPr>
-            <a:spLocks noGrp="1"/>
-          </p:cNvSpPr>
-          <p:nvPr>
-            <p:ph type="ftr" sz="quarter" idx="11"/>
-          </p:nvPr>
-        </p:nvSpPr>
-        <p:spPr/>
-        <p:txBody>
-          <a:bodyPr/>
-          <a:lstStyle/>
-          <a:p>
-            <a:r>
-              <a:rPr lang="en-US" dirty="0"/>
-              <a:t>DEPARTMENT OF BUSINESS &amp; ECONOMICS</a:t>
-            </a:r>
-          </a:p>
-        </p:txBody>
-      </p:sp>
-      <p:sp>
-        <p:nvSpPr>
-          <p:cNvPr id="6" name="Slide Number Placeholder 5">
-            <a:extLst>
-              <a:ext uri="{FF2B5EF4-FFF2-40B4-BE49-F238E27FC236}">
-                <a16:creationId xmlns:a16="http://schemas.microsoft.com/office/drawing/2014/main" id="{99292573-8F29-6580-AFF7-797F8A981971}"/>
-              </a:ext>
-            </a:extLst>
-          </p:cNvPr>
-          <p:cNvSpPr>
-            <a:spLocks noGrp="1"/>
-          </p:cNvSpPr>
-          <p:nvPr>
-            <p:ph type="sldNum" sz="quarter" idx="12"/>
-          </p:nvPr>
-        </p:nvSpPr>
-        <p:spPr/>
-        <p:txBody>
-          <a:bodyPr/>
-          <a:lstStyle/>
-          <a:p>
-            <a:fld id="{1A980C56-831A-4EAB-9EDE-57C090F4F877}" type="slidenum">
-              <a:rPr lang="en-US" smtClean="0"/>
-              <a:t>3</a:t>
-            </a:fld>
-            <a:endParaRPr lang="en-US" dirty="0"/>
-          </a:p>
-        </p:txBody>
-      </p:sp>
-    </p:spTree>
-    <p:extLst>
-      <p:ext uri="{BB962C8B-B14F-4D97-AF65-F5344CB8AC3E}">
-        <p14:creationId xmlns:p14="http://schemas.microsoft.com/office/powerpoint/2010/main" val="2943569586"/>
-      </p:ext>
-    </p:extLst>
-  </p:cSld>
-  <p:clrMapOvr>
-    <a:masterClrMapping/>
-  </p:clrMapOvr>
-</p:sld>
-</file>
-
-<file path=ppt/slides/slide4.xml><?xml version="1.0" encoding="utf-8"?>
-<p:sld xmlns:a="http://schemas.openxmlformats.org/drawingml/2006/main" xmlns:r="http://schemas.openxmlformats.org/officeDocument/2006/relationships" xmlns:p="http://schemas.openxmlformats.org/presentationml/2006/main">
-  <p:cSld>
-    <p:spTree>
-      <p:nvGrpSpPr>
-        <p:cNvPr id="1" name=""/>
-        <p:cNvGrpSpPr/>
-        <p:nvPr/>
-      </p:nvGrpSpPr>
-      <p:grpSpPr>
-        <a:xfrm>
-          <a:off x="0" y="0"/>
-          <a:ext cx="0" cy="0"/>
-          <a:chOff x="0" y="0"/>
-          <a:chExt cx="0" cy="0"/>
-        </a:xfrm>
-      </p:grpSpPr>
-      <p:sp>
-        <p:nvSpPr>
-          <p:cNvPr id="2" name="Title 1">
-            <a:extLst>
-              <a:ext uri="{FF2B5EF4-FFF2-40B4-BE49-F238E27FC236}">
-                <a16:creationId xmlns:a16="http://schemas.microsoft.com/office/drawing/2014/main" id="{D695E1D0-AC50-75BC-2F86-0F207240C764}"/>
-              </a:ext>
-            </a:extLst>
-          </p:cNvPr>
-          <p:cNvSpPr>
-            <a:spLocks noGrp="1"/>
-          </p:cNvSpPr>
-          <p:nvPr>
-            <p:ph type="title"/>
-          </p:nvPr>
-        </p:nvSpPr>
-        <p:spPr/>
-        <p:txBody>
-          <a:bodyPr/>
-          <a:lstStyle/>
-          <a:p>
-            <a:r>
-              <a:rPr lang="en-US" dirty="0"/>
               <a:t>Problem 1. Definitions</a:t>
             </a:r>
           </a:p>
@@ -17528,7 +14955,7 @@
           <a:p>
             <a:r>
               <a:rPr lang="en-US"/>
-              <a:t>Spring 2024</a:t>
+              <a:t>ECON 301</a:t>
             </a:r>
             <a:endParaRPr lang="en-US" dirty="0"/>
           </a:p>
@@ -17585,7 +15012,7 @@
           <a:p>
             <a:fld id="{1A980C56-831A-4EAB-9EDE-57C090F4F877}" type="slidenum">
               <a:rPr lang="en-US" smtClean="0"/>
-              <a:t>4</a:t>
+              <a:t>2</a:t>
             </a:fld>
             <a:endParaRPr lang="en-US" dirty="0"/>
           </a:p>
@@ -18089,7 +15516,7 @@
 </p:sld>
 </file>
 
-<file path=ppt/slides/slide5.xml><?xml version="1.0" encoding="utf-8"?>
+<file path=ppt/slides/slide3.xml><?xml version="1.0" encoding="utf-8"?>
 <p:sld xmlns:a="http://schemas.openxmlformats.org/drawingml/2006/main" xmlns:r="http://schemas.openxmlformats.org/officeDocument/2006/relationships" xmlns:p="http://schemas.openxmlformats.org/presentationml/2006/main">
   <p:cSld>
     <p:spTree>
@@ -18260,7 +15687,7 @@
           <a:p>
             <a:r>
               <a:rPr lang="en-US"/>
-              <a:t>Spring 2024</a:t>
+              <a:t>ECON 301</a:t>
             </a:r>
             <a:endParaRPr lang="en-US" dirty="0"/>
           </a:p>
@@ -18317,7 +15744,7 @@
           <a:p>
             <a:fld id="{1A980C56-831A-4EAB-9EDE-57C090F4F877}" type="slidenum">
               <a:rPr lang="en-US" smtClean="0"/>
-              <a:t>5</a:t>
+              <a:t>3</a:t>
             </a:fld>
             <a:endParaRPr lang="en-US" dirty="0"/>
           </a:p>
@@ -18699,7 +16126,7 @@
 </p:sld>
 </file>
 
-<file path=ppt/slides/slide6.xml><?xml version="1.0" encoding="utf-8"?>
+<file path=ppt/slides/slide4.xml><?xml version="1.0" encoding="utf-8"?>
 <p:sld xmlns:a="http://schemas.openxmlformats.org/drawingml/2006/main" xmlns:r="http://schemas.openxmlformats.org/officeDocument/2006/relationships" xmlns:p="http://schemas.openxmlformats.org/presentationml/2006/main">
   <p:cSld>
     <p:spTree>
@@ -18958,7 +16385,7 @@
           <a:p>
             <a:r>
               <a:rPr lang="en-US"/>
-              <a:t>Spring 2024</a:t>
+              <a:t>ECON 301</a:t>
             </a:r>
             <a:endParaRPr lang="en-US" dirty="0"/>
           </a:p>
@@ -19015,7 +16442,7 @@
           <a:p>
             <a:fld id="{1A980C56-831A-4EAB-9EDE-57C090F4F877}" type="slidenum">
               <a:rPr lang="en-US" smtClean="0"/>
-              <a:t>6</a:t>
+              <a:t>4</a:t>
             </a:fld>
             <a:endParaRPr lang="en-US" dirty="0"/>
           </a:p>
@@ -19397,7 +16824,7 @@
 </p:sld>
 </file>
 
-<file path=ppt/slides/slide7.xml><?xml version="1.0" encoding="utf-8"?>
+<file path=ppt/slides/slide5.xml><?xml version="1.0" encoding="utf-8"?>
 <p:sld xmlns:a="http://schemas.openxmlformats.org/drawingml/2006/main" xmlns:r="http://schemas.openxmlformats.org/officeDocument/2006/relationships" xmlns:p="http://schemas.openxmlformats.org/presentationml/2006/main">
   <p:cSld>
     <p:spTree>
@@ -19554,7 +16981,7 @@
           <a:p>
             <a:r>
               <a:rPr lang="en-US"/>
-              <a:t>Spring 2024</a:t>
+              <a:t>ECON 301</a:t>
             </a:r>
             <a:endParaRPr lang="en-US" dirty="0"/>
           </a:p>
@@ -19611,7 +17038,7 @@
           <a:p>
             <a:fld id="{1A980C56-831A-4EAB-9EDE-57C090F4F877}" type="slidenum">
               <a:rPr lang="en-US" smtClean="0"/>
-              <a:t>7</a:t>
+              <a:t>5</a:t>
             </a:fld>
             <a:endParaRPr lang="en-US" dirty="0"/>
           </a:p>
@@ -19968,7 +17395,7 @@
 </p:sld>
 </file>
 
-<file path=ppt/slides/slide8.xml><?xml version="1.0" encoding="utf-8"?>
+<file path=ppt/slides/slide6.xml><?xml version="1.0" encoding="utf-8"?>
 <p:sld xmlns:a="http://schemas.openxmlformats.org/drawingml/2006/main" xmlns:r="http://schemas.openxmlformats.org/officeDocument/2006/relationships" xmlns:p="http://schemas.openxmlformats.org/presentationml/2006/main">
   <p:cSld>
     <p:spTree>
@@ -20209,7 +17636,7 @@
           <a:p>
             <a:r>
               <a:rPr lang="en-US"/>
-              <a:t>Spring 2024</a:t>
+              <a:t>ECON 301</a:t>
             </a:r>
             <a:endParaRPr lang="en-US" dirty="0"/>
           </a:p>
@@ -20266,7 +17693,7 @@
           <a:p>
             <a:fld id="{1A980C56-831A-4EAB-9EDE-57C090F4F877}" type="slidenum">
               <a:rPr lang="en-US" smtClean="0"/>
-              <a:t>8</a:t>
+              <a:t>6</a:t>
             </a:fld>
             <a:endParaRPr lang="en-US" dirty="0"/>
           </a:p>
@@ -20501,7 +17928,7 @@
 </p:sld>
 </file>
 
-<file path=ppt/slides/slide9.xml><?xml version="1.0" encoding="utf-8"?>
+<file path=ppt/slides/slide7.xml><?xml version="1.0" encoding="utf-8"?>
 <p:sld xmlns:a="http://schemas.openxmlformats.org/drawingml/2006/main" xmlns:r="http://schemas.openxmlformats.org/officeDocument/2006/relationships" xmlns:p="http://schemas.openxmlformats.org/presentationml/2006/main">
   <p:cSld>
     <p:spTree>
@@ -20639,7 +18066,7 @@
           <a:p>
             <a:r>
               <a:rPr lang="en-US"/>
-              <a:t>Spring 2024</a:t>
+              <a:t>ECON 301</a:t>
             </a:r>
             <a:endParaRPr lang="en-US" dirty="0"/>
           </a:p>
@@ -20696,7 +18123,7 @@
           <a:p>
             <a:fld id="{1A980C56-831A-4EAB-9EDE-57C090F4F877}" type="slidenum">
               <a:rPr lang="en-US" smtClean="0"/>
-              <a:t>9</a:t>
+              <a:t>7</a:t>
             </a:fld>
             <a:endParaRPr lang="en-US" dirty="0"/>
           </a:p>
@@ -20988,6 +18415,2091 @@
         </p:cTn>
       </p:par>
     </p:tnLst>
+  </p:timing>
+</p:sld>
+</file>
+
+<file path=ppt/slides/slide8.xml><?xml version="1.0" encoding="utf-8"?>
+<p:sld xmlns:a="http://schemas.openxmlformats.org/drawingml/2006/main" xmlns:r="http://schemas.openxmlformats.org/officeDocument/2006/relationships" xmlns:p="http://schemas.openxmlformats.org/presentationml/2006/main">
+  <p:cSld>
+    <p:spTree>
+      <p:nvGrpSpPr>
+        <p:cNvPr id="1" name="">
+          <a:extLst>
+            <a:ext uri="{FF2B5EF4-FFF2-40B4-BE49-F238E27FC236}">
+              <a16:creationId xmlns:a16="http://schemas.microsoft.com/office/drawing/2014/main" id="{9733E13E-28F3-4D5A-DF36-39A69CCAEB4A}"/>
+            </a:ext>
+          </a:extLst>
+        </p:cNvPr>
+        <p:cNvGrpSpPr/>
+        <p:nvPr/>
+      </p:nvGrpSpPr>
+      <p:grpSpPr>
+        <a:xfrm>
+          <a:off x="0" y="0"/>
+          <a:ext cx="0" cy="0"/>
+          <a:chOff x="0" y="0"/>
+          <a:chExt cx="0" cy="0"/>
+        </a:xfrm>
+      </p:grpSpPr>
+      <p:sp>
+        <p:nvSpPr>
+          <p:cNvPr id="2" name="Title 1">
+            <a:extLst>
+              <a:ext uri="{FF2B5EF4-FFF2-40B4-BE49-F238E27FC236}">
+                <a16:creationId xmlns:a16="http://schemas.microsoft.com/office/drawing/2014/main" id="{60B257FE-3B29-1F99-2971-18FFAE82A8A9}"/>
+              </a:ext>
+            </a:extLst>
+          </p:cNvPr>
+          <p:cNvSpPr>
+            <a:spLocks noGrp="1"/>
+          </p:cNvSpPr>
+          <p:nvPr>
+            <p:ph type="title"/>
+          </p:nvPr>
+        </p:nvSpPr>
+        <p:spPr/>
+        <p:txBody>
+          <a:bodyPr/>
+          <a:lstStyle/>
+          <a:p>
+            <a:r>
+              <a:rPr lang="en-US" dirty="0"/>
+              <a:t>Problem 2.D.</a:t>
+            </a:r>
+          </a:p>
+        </p:txBody>
+      </p:sp>
+      <p:sp>
+        <p:nvSpPr>
+          <p:cNvPr id="3" name="Content Placeholder 2">
+            <a:extLst>
+              <a:ext uri="{FF2B5EF4-FFF2-40B4-BE49-F238E27FC236}">
+                <a16:creationId xmlns:a16="http://schemas.microsoft.com/office/drawing/2014/main" id="{6E250E9B-6597-B043-FE63-EABA1D1B7D30}"/>
+              </a:ext>
+            </a:extLst>
+          </p:cNvPr>
+          <p:cNvSpPr>
+            <a:spLocks noGrp="1"/>
+          </p:cNvSpPr>
+          <p:nvPr>
+            <p:ph idx="1"/>
+          </p:nvPr>
+        </p:nvSpPr>
+        <p:spPr/>
+        <p:txBody>
+          <a:bodyPr/>
+          <a:lstStyle/>
+          <a:p>
+            <a:r>
+              <a:rPr lang="en-US" dirty="0"/>
+              <a:t>In general, countries with higher levels of investment in R&amp;D tend to exhibit a faster pace of technological progress.</a:t>
+            </a:r>
+            <a:endParaRPr lang="en-US" sz="500" dirty="0"/>
+          </a:p>
+          <a:p>
+            <a:pPr lvl="1"/>
+            <a:r>
+              <a:rPr lang="en-US" dirty="0">
+                <a:solidFill>
+                  <a:srgbClr val="FF0000"/>
+                </a:solidFill>
+              </a:rPr>
+              <a:t>FALSE*</a:t>
+            </a:r>
+          </a:p>
+          <a:p>
+            <a:pPr lvl="1"/>
+            <a:r>
+              <a:rPr lang="en-US" dirty="0">
+                <a:solidFill>
+                  <a:srgbClr val="FF0000"/>
+                </a:solidFill>
+              </a:rPr>
+              <a:t>Countries along the frontier of technological progress cannot exhibit faster progress than countries catching up.</a:t>
+            </a:r>
+          </a:p>
+          <a:p>
+            <a:pPr lvl="1"/>
+            <a:endParaRPr lang="en-US" dirty="0">
+              <a:solidFill>
+                <a:srgbClr val="FF0000"/>
+              </a:solidFill>
+            </a:endParaRPr>
+          </a:p>
+          <a:p>
+            <a:pPr lvl="1"/>
+            <a:r>
+              <a:rPr lang="en-US" dirty="0">
+                <a:solidFill>
+                  <a:srgbClr val="FF0000"/>
+                </a:solidFill>
+              </a:rPr>
+              <a:t>TRUE*</a:t>
+            </a:r>
+          </a:p>
+          <a:p>
+            <a:pPr lvl="1"/>
+            <a:r>
+              <a:rPr lang="en-US" dirty="0">
+                <a:solidFill>
+                  <a:srgbClr val="FF0000"/>
+                </a:solidFill>
+              </a:rPr>
+              <a:t>Countries that do not invest in R&amp;D will not be able to enjoy technological progress at all.</a:t>
+            </a:r>
+          </a:p>
+          <a:p>
+            <a:pPr lvl="1"/>
+            <a:endParaRPr lang="en-US" dirty="0">
+              <a:solidFill>
+                <a:srgbClr val="FF0000"/>
+              </a:solidFill>
+            </a:endParaRPr>
+          </a:p>
+          <a:p>
+            <a:endParaRPr lang="en-US" dirty="0"/>
+          </a:p>
+        </p:txBody>
+      </p:sp>
+      <p:sp>
+        <p:nvSpPr>
+          <p:cNvPr id="4" name="Date Placeholder 3">
+            <a:extLst>
+              <a:ext uri="{FF2B5EF4-FFF2-40B4-BE49-F238E27FC236}">
+                <a16:creationId xmlns:a16="http://schemas.microsoft.com/office/drawing/2014/main" id="{61C19871-024E-86B5-2C8B-1F8F138832EE}"/>
+              </a:ext>
+            </a:extLst>
+          </p:cNvPr>
+          <p:cNvSpPr>
+            <a:spLocks noGrp="1"/>
+          </p:cNvSpPr>
+          <p:nvPr>
+            <p:ph type="dt" sz="half" idx="10"/>
+          </p:nvPr>
+        </p:nvSpPr>
+        <p:spPr/>
+        <p:txBody>
+          <a:bodyPr/>
+          <a:lstStyle/>
+          <a:p>
+            <a:r>
+              <a:rPr lang="en-US"/>
+              <a:t>ECON 301</a:t>
+            </a:r>
+            <a:endParaRPr lang="en-US" dirty="0"/>
+          </a:p>
+        </p:txBody>
+      </p:sp>
+      <p:sp>
+        <p:nvSpPr>
+          <p:cNvPr id="5" name="Footer Placeholder 4">
+            <a:extLst>
+              <a:ext uri="{FF2B5EF4-FFF2-40B4-BE49-F238E27FC236}">
+                <a16:creationId xmlns:a16="http://schemas.microsoft.com/office/drawing/2014/main" id="{5BA540FD-CC7D-4EC2-D4FA-83E9A170E791}"/>
+              </a:ext>
+            </a:extLst>
+          </p:cNvPr>
+          <p:cNvSpPr>
+            <a:spLocks noGrp="1"/>
+          </p:cNvSpPr>
+          <p:nvPr>
+            <p:ph type="ftr" sz="quarter" idx="11"/>
+          </p:nvPr>
+        </p:nvSpPr>
+        <p:spPr/>
+        <p:txBody>
+          <a:bodyPr/>
+          <a:lstStyle/>
+          <a:p>
+            <a:r>
+              <a:rPr lang="en-US" dirty="0"/>
+              <a:t>DEPARTMENT OF BUSINESS &amp; ECONOMICS</a:t>
+            </a:r>
+          </a:p>
+        </p:txBody>
+      </p:sp>
+      <p:sp>
+        <p:nvSpPr>
+          <p:cNvPr id="6" name="Slide Number Placeholder 5">
+            <a:extLst>
+              <a:ext uri="{FF2B5EF4-FFF2-40B4-BE49-F238E27FC236}">
+                <a16:creationId xmlns:a16="http://schemas.microsoft.com/office/drawing/2014/main" id="{E479932B-C1EC-1C43-2517-7918AF89A31E}"/>
+              </a:ext>
+            </a:extLst>
+          </p:cNvPr>
+          <p:cNvSpPr>
+            <a:spLocks noGrp="1"/>
+          </p:cNvSpPr>
+          <p:nvPr>
+            <p:ph type="sldNum" sz="quarter" idx="12"/>
+          </p:nvPr>
+        </p:nvSpPr>
+        <p:spPr/>
+        <p:txBody>
+          <a:bodyPr/>
+          <a:lstStyle/>
+          <a:p>
+            <a:fld id="{1A980C56-831A-4EAB-9EDE-57C090F4F877}" type="slidenum">
+              <a:rPr lang="en-US" smtClean="0"/>
+              <a:t>8</a:t>
+            </a:fld>
+            <a:endParaRPr lang="en-US" dirty="0"/>
+          </a:p>
+        </p:txBody>
+      </p:sp>
+    </p:spTree>
+    <p:extLst>
+      <p:ext uri="{BB962C8B-B14F-4D97-AF65-F5344CB8AC3E}">
+        <p14:creationId xmlns:p14="http://schemas.microsoft.com/office/powerpoint/2010/main" val="1687861091"/>
+      </p:ext>
+    </p:extLst>
+  </p:cSld>
+  <p:clrMapOvr>
+    <a:masterClrMapping/>
+  </p:clrMapOvr>
+  <p:timing>
+    <p:tnLst>
+      <p:par>
+        <p:cTn id="1" dur="indefinite" restart="never" nodeType="tmRoot">
+          <p:childTnLst>
+            <p:seq concurrent="1" nextAc="seek">
+              <p:cTn id="2" dur="indefinite" nodeType="mainSeq">
+                <p:childTnLst>
+                  <p:par>
+                    <p:cTn id="3" fill="hold">
+                      <p:stCondLst>
+                        <p:cond delay="indefinite"/>
+                        <p:cond evt="onBegin" delay="0">
+                          <p:tn val="2"/>
+                        </p:cond>
+                      </p:stCondLst>
+                      <p:childTnLst>
+                        <p:par>
+                          <p:cTn id="4" fill="hold">
+                            <p:stCondLst>
+                              <p:cond delay="0"/>
+                            </p:stCondLst>
+                            <p:childTnLst>
+                              <p:par>
+                                <p:cTn id="5" presetID="10" presetClass="entr" presetSubtype="0" fill="hold" nodeType="withEffect">
+                                  <p:stCondLst>
+                                    <p:cond delay="0"/>
+                                  </p:stCondLst>
+                                  <p:childTnLst>
+                                    <p:set>
+                                      <p:cBhvr>
+                                        <p:cTn id="6" dur="1" fill="hold">
+                                          <p:stCondLst>
+                                            <p:cond delay="0"/>
+                                          </p:stCondLst>
+                                        </p:cTn>
+                                        <p:tgtEl>
+                                          <p:spTgt spid="3">
+                                            <p:txEl>
+                                              <p:pRg st="0" end="0"/>
+                                            </p:txEl>
+                                          </p:spTgt>
+                                        </p:tgtEl>
+                                        <p:attrNameLst>
+                                          <p:attrName>style.visibility</p:attrName>
+                                        </p:attrNameLst>
+                                      </p:cBhvr>
+                                      <p:to>
+                                        <p:strVal val="visible"/>
+                                      </p:to>
+                                    </p:set>
+                                    <p:animEffect transition="in" filter="fade">
+                                      <p:cBhvr>
+                                        <p:cTn id="7" dur="500"/>
+                                        <p:tgtEl>
+                                          <p:spTgt spid="3">
+                                            <p:txEl>
+                                              <p:pRg st="0" end="0"/>
+                                            </p:txEl>
+                                          </p:spTgt>
+                                        </p:tgtEl>
+                                      </p:cBhvr>
+                                    </p:animEffect>
+                                  </p:childTnLst>
+                                </p:cTn>
+                              </p:par>
+                            </p:childTnLst>
+                          </p:cTn>
+                        </p:par>
+                      </p:childTnLst>
+                    </p:cTn>
+                  </p:par>
+                  <p:par>
+                    <p:cTn id="8" fill="hold">
+                      <p:stCondLst>
+                        <p:cond delay="indefinite"/>
+                      </p:stCondLst>
+                      <p:childTnLst>
+                        <p:par>
+                          <p:cTn id="9" fill="hold">
+                            <p:stCondLst>
+                              <p:cond delay="0"/>
+                            </p:stCondLst>
+                            <p:childTnLst>
+                              <p:par>
+                                <p:cTn id="10" presetID="10" presetClass="entr" presetSubtype="0" fill="hold" nodeType="clickEffect">
+                                  <p:stCondLst>
+                                    <p:cond delay="0"/>
+                                  </p:stCondLst>
+                                  <p:childTnLst>
+                                    <p:set>
+                                      <p:cBhvr>
+                                        <p:cTn id="11" dur="1" fill="hold">
+                                          <p:stCondLst>
+                                            <p:cond delay="0"/>
+                                          </p:stCondLst>
+                                        </p:cTn>
+                                        <p:tgtEl>
+                                          <p:spTgt spid="3">
+                                            <p:txEl>
+                                              <p:pRg st="1" end="1"/>
+                                            </p:txEl>
+                                          </p:spTgt>
+                                        </p:tgtEl>
+                                        <p:attrNameLst>
+                                          <p:attrName>style.visibility</p:attrName>
+                                        </p:attrNameLst>
+                                      </p:cBhvr>
+                                      <p:to>
+                                        <p:strVal val="visible"/>
+                                      </p:to>
+                                    </p:set>
+                                    <p:animEffect transition="in" filter="fade">
+                                      <p:cBhvr>
+                                        <p:cTn id="12" dur="500"/>
+                                        <p:tgtEl>
+                                          <p:spTgt spid="3">
+                                            <p:txEl>
+                                              <p:pRg st="1" end="1"/>
+                                            </p:txEl>
+                                          </p:spTgt>
+                                        </p:tgtEl>
+                                      </p:cBhvr>
+                                    </p:animEffect>
+                                  </p:childTnLst>
+                                </p:cTn>
+                              </p:par>
+                            </p:childTnLst>
+                          </p:cTn>
+                        </p:par>
+                      </p:childTnLst>
+                    </p:cTn>
+                  </p:par>
+                  <p:par>
+                    <p:cTn id="13" fill="hold">
+                      <p:stCondLst>
+                        <p:cond delay="indefinite"/>
+                      </p:stCondLst>
+                      <p:childTnLst>
+                        <p:par>
+                          <p:cTn id="14" fill="hold">
+                            <p:stCondLst>
+                              <p:cond delay="0"/>
+                            </p:stCondLst>
+                            <p:childTnLst>
+                              <p:par>
+                                <p:cTn id="15" presetID="10" presetClass="entr" presetSubtype="0" fill="hold" nodeType="clickEffect">
+                                  <p:stCondLst>
+                                    <p:cond delay="0"/>
+                                  </p:stCondLst>
+                                  <p:childTnLst>
+                                    <p:set>
+                                      <p:cBhvr>
+                                        <p:cTn id="16" dur="1" fill="hold">
+                                          <p:stCondLst>
+                                            <p:cond delay="0"/>
+                                          </p:stCondLst>
+                                        </p:cTn>
+                                        <p:tgtEl>
+                                          <p:spTgt spid="3">
+                                            <p:txEl>
+                                              <p:pRg st="2" end="2"/>
+                                            </p:txEl>
+                                          </p:spTgt>
+                                        </p:tgtEl>
+                                        <p:attrNameLst>
+                                          <p:attrName>style.visibility</p:attrName>
+                                        </p:attrNameLst>
+                                      </p:cBhvr>
+                                      <p:to>
+                                        <p:strVal val="visible"/>
+                                      </p:to>
+                                    </p:set>
+                                    <p:animEffect transition="in" filter="fade">
+                                      <p:cBhvr>
+                                        <p:cTn id="17" dur="500"/>
+                                        <p:tgtEl>
+                                          <p:spTgt spid="3">
+                                            <p:txEl>
+                                              <p:pRg st="2" end="2"/>
+                                            </p:txEl>
+                                          </p:spTgt>
+                                        </p:tgtEl>
+                                      </p:cBhvr>
+                                    </p:animEffect>
+                                  </p:childTnLst>
+                                </p:cTn>
+                              </p:par>
+                            </p:childTnLst>
+                          </p:cTn>
+                        </p:par>
+                      </p:childTnLst>
+                    </p:cTn>
+                  </p:par>
+                  <p:par>
+                    <p:cTn id="18" fill="hold">
+                      <p:stCondLst>
+                        <p:cond delay="indefinite"/>
+                      </p:stCondLst>
+                      <p:childTnLst>
+                        <p:par>
+                          <p:cTn id="19" fill="hold">
+                            <p:stCondLst>
+                              <p:cond delay="0"/>
+                            </p:stCondLst>
+                            <p:childTnLst>
+                              <p:par>
+                                <p:cTn id="20" presetID="10" presetClass="entr" presetSubtype="0" fill="hold" nodeType="clickEffect">
+                                  <p:stCondLst>
+                                    <p:cond delay="0"/>
+                                  </p:stCondLst>
+                                  <p:childTnLst>
+                                    <p:set>
+                                      <p:cBhvr>
+                                        <p:cTn id="21" dur="1" fill="hold">
+                                          <p:stCondLst>
+                                            <p:cond delay="0"/>
+                                          </p:stCondLst>
+                                        </p:cTn>
+                                        <p:tgtEl>
+                                          <p:spTgt spid="3">
+                                            <p:txEl>
+                                              <p:pRg st="4" end="4"/>
+                                            </p:txEl>
+                                          </p:spTgt>
+                                        </p:tgtEl>
+                                        <p:attrNameLst>
+                                          <p:attrName>style.visibility</p:attrName>
+                                        </p:attrNameLst>
+                                      </p:cBhvr>
+                                      <p:to>
+                                        <p:strVal val="visible"/>
+                                      </p:to>
+                                    </p:set>
+                                    <p:animEffect transition="in" filter="fade">
+                                      <p:cBhvr>
+                                        <p:cTn id="22" dur="500"/>
+                                        <p:tgtEl>
+                                          <p:spTgt spid="3">
+                                            <p:txEl>
+                                              <p:pRg st="4" end="4"/>
+                                            </p:txEl>
+                                          </p:spTgt>
+                                        </p:tgtEl>
+                                      </p:cBhvr>
+                                    </p:animEffect>
+                                  </p:childTnLst>
+                                </p:cTn>
+                              </p:par>
+                            </p:childTnLst>
+                          </p:cTn>
+                        </p:par>
+                      </p:childTnLst>
+                    </p:cTn>
+                  </p:par>
+                  <p:par>
+                    <p:cTn id="23" fill="hold">
+                      <p:stCondLst>
+                        <p:cond delay="indefinite"/>
+                      </p:stCondLst>
+                      <p:childTnLst>
+                        <p:par>
+                          <p:cTn id="24" fill="hold">
+                            <p:stCondLst>
+                              <p:cond delay="0"/>
+                            </p:stCondLst>
+                            <p:childTnLst>
+                              <p:par>
+                                <p:cTn id="25" presetID="10" presetClass="entr" presetSubtype="0" fill="hold" nodeType="clickEffect">
+                                  <p:stCondLst>
+                                    <p:cond delay="0"/>
+                                  </p:stCondLst>
+                                  <p:childTnLst>
+                                    <p:set>
+                                      <p:cBhvr>
+                                        <p:cTn id="26" dur="1" fill="hold">
+                                          <p:stCondLst>
+                                            <p:cond delay="0"/>
+                                          </p:stCondLst>
+                                        </p:cTn>
+                                        <p:tgtEl>
+                                          <p:spTgt spid="3">
+                                            <p:txEl>
+                                              <p:pRg st="5" end="5"/>
+                                            </p:txEl>
+                                          </p:spTgt>
+                                        </p:tgtEl>
+                                        <p:attrNameLst>
+                                          <p:attrName>style.visibility</p:attrName>
+                                        </p:attrNameLst>
+                                      </p:cBhvr>
+                                      <p:to>
+                                        <p:strVal val="visible"/>
+                                      </p:to>
+                                    </p:set>
+                                    <p:animEffect transition="in" filter="fade">
+                                      <p:cBhvr>
+                                        <p:cTn id="27" dur="500"/>
+                                        <p:tgtEl>
+                                          <p:spTgt spid="3">
+                                            <p:txEl>
+                                              <p:pRg st="5" end="5"/>
+                                            </p:txEl>
+                                          </p:spTgt>
+                                        </p:tgtEl>
+                                      </p:cBhvr>
+                                    </p:animEffect>
+                                  </p:childTnLst>
+                                </p:cTn>
+                              </p:par>
+                            </p:childTnLst>
+                          </p:cTn>
+                        </p:par>
+                      </p:childTnLst>
+                    </p:cTn>
+                  </p:par>
+                </p:childTnLst>
+              </p:cTn>
+              <p:prevCondLst>
+                <p:cond evt="onPrev" delay="0">
+                  <p:tgtEl>
+                    <p:sldTgt/>
+                  </p:tgtEl>
+                </p:cond>
+              </p:prevCondLst>
+              <p:nextCondLst>
+                <p:cond evt="onNext" delay="0">
+                  <p:tgtEl>
+                    <p:sldTgt/>
+                  </p:tgtEl>
+                </p:cond>
+              </p:nextCondLst>
+            </p:seq>
+          </p:childTnLst>
+        </p:cTn>
+      </p:par>
+    </p:tnLst>
+  </p:timing>
+</p:sld>
+</file>
+
+<file path=ppt/slides/slide9.xml><?xml version="1.0" encoding="utf-8"?>
+<p:sld xmlns:a="http://schemas.openxmlformats.org/drawingml/2006/main" xmlns:r="http://schemas.openxmlformats.org/officeDocument/2006/relationships" xmlns:p="http://schemas.openxmlformats.org/presentationml/2006/main">
+  <p:cSld>
+    <p:spTree>
+      <p:nvGrpSpPr>
+        <p:cNvPr id="1" name="">
+          <a:extLst>
+            <a:ext uri="{FF2B5EF4-FFF2-40B4-BE49-F238E27FC236}">
+              <a16:creationId xmlns:a16="http://schemas.microsoft.com/office/drawing/2014/main" id="{9733E13E-28F3-4D5A-DF36-39A69CCAEB4A}"/>
+            </a:ext>
+          </a:extLst>
+        </p:cNvPr>
+        <p:cNvGrpSpPr/>
+        <p:nvPr/>
+      </p:nvGrpSpPr>
+      <p:grpSpPr>
+        <a:xfrm>
+          <a:off x="0" y="0"/>
+          <a:ext cx="0" cy="0"/>
+          <a:chOff x="0" y="0"/>
+          <a:chExt cx="0" cy="0"/>
+        </a:xfrm>
+      </p:grpSpPr>
+      <p:sp>
+        <p:nvSpPr>
+          <p:cNvPr id="2" name="Title 1">
+            <a:extLst>
+              <a:ext uri="{FF2B5EF4-FFF2-40B4-BE49-F238E27FC236}">
+                <a16:creationId xmlns:a16="http://schemas.microsoft.com/office/drawing/2014/main" id="{60B257FE-3B29-1F99-2971-18FFAE82A8A9}"/>
+              </a:ext>
+            </a:extLst>
+          </p:cNvPr>
+          <p:cNvSpPr>
+            <a:spLocks noGrp="1"/>
+          </p:cNvSpPr>
+          <p:nvPr>
+            <p:ph type="title"/>
+          </p:nvPr>
+        </p:nvSpPr>
+        <p:spPr/>
+        <p:txBody>
+          <a:bodyPr/>
+          <a:lstStyle/>
+          <a:p>
+            <a:r>
+              <a:rPr lang="en-US" dirty="0"/>
+              <a:t>Problem 3.A.</a:t>
+            </a:r>
+          </a:p>
+        </p:txBody>
+      </p:sp>
+      <p:sp>
+        <p:nvSpPr>
+          <p:cNvPr id="3" name="Content Placeholder 2">
+            <a:extLst>
+              <a:ext uri="{FF2B5EF4-FFF2-40B4-BE49-F238E27FC236}">
+                <a16:creationId xmlns:a16="http://schemas.microsoft.com/office/drawing/2014/main" id="{6E250E9B-6597-B043-FE63-EABA1D1B7D30}"/>
+              </a:ext>
+            </a:extLst>
+          </p:cNvPr>
+          <p:cNvSpPr>
+            <a:spLocks noGrp="1"/>
+          </p:cNvSpPr>
+          <p:nvPr>
+            <p:ph idx="1"/>
+          </p:nvPr>
+        </p:nvSpPr>
+        <p:spPr/>
+        <p:txBody>
+          <a:bodyPr/>
+          <a:lstStyle/>
+          <a:p>
+            <a:r>
+              <a:rPr lang="en-US" dirty="0"/>
+              <a:t>Plot Money Supply, Money Demand, and Interest Rate.</a:t>
+            </a:r>
+          </a:p>
+          <a:p>
+            <a:endParaRPr lang="en-US" sz="500" dirty="0"/>
+          </a:p>
+        </p:txBody>
+      </p:sp>
+      <p:sp>
+        <p:nvSpPr>
+          <p:cNvPr id="4" name="Date Placeholder 3">
+            <a:extLst>
+              <a:ext uri="{FF2B5EF4-FFF2-40B4-BE49-F238E27FC236}">
+                <a16:creationId xmlns:a16="http://schemas.microsoft.com/office/drawing/2014/main" id="{61C19871-024E-86B5-2C8B-1F8F138832EE}"/>
+              </a:ext>
+            </a:extLst>
+          </p:cNvPr>
+          <p:cNvSpPr>
+            <a:spLocks noGrp="1"/>
+          </p:cNvSpPr>
+          <p:nvPr>
+            <p:ph type="dt" sz="half" idx="10"/>
+          </p:nvPr>
+        </p:nvSpPr>
+        <p:spPr/>
+        <p:txBody>
+          <a:bodyPr/>
+          <a:lstStyle/>
+          <a:p>
+            <a:r>
+              <a:rPr lang="en-US"/>
+              <a:t>ECON 301</a:t>
+            </a:r>
+            <a:endParaRPr lang="en-US" dirty="0"/>
+          </a:p>
+        </p:txBody>
+      </p:sp>
+      <p:sp>
+        <p:nvSpPr>
+          <p:cNvPr id="5" name="Footer Placeholder 4">
+            <a:extLst>
+              <a:ext uri="{FF2B5EF4-FFF2-40B4-BE49-F238E27FC236}">
+                <a16:creationId xmlns:a16="http://schemas.microsoft.com/office/drawing/2014/main" id="{5BA540FD-CC7D-4EC2-D4FA-83E9A170E791}"/>
+              </a:ext>
+            </a:extLst>
+          </p:cNvPr>
+          <p:cNvSpPr>
+            <a:spLocks noGrp="1"/>
+          </p:cNvSpPr>
+          <p:nvPr>
+            <p:ph type="ftr" sz="quarter" idx="11"/>
+          </p:nvPr>
+        </p:nvSpPr>
+        <p:spPr/>
+        <p:txBody>
+          <a:bodyPr/>
+          <a:lstStyle/>
+          <a:p>
+            <a:r>
+              <a:rPr lang="en-US" dirty="0"/>
+              <a:t>DEPARTMENT OF BUSINESS &amp; ECONOMICS</a:t>
+            </a:r>
+          </a:p>
+        </p:txBody>
+      </p:sp>
+      <p:sp>
+        <p:nvSpPr>
+          <p:cNvPr id="6" name="Slide Number Placeholder 5">
+            <a:extLst>
+              <a:ext uri="{FF2B5EF4-FFF2-40B4-BE49-F238E27FC236}">
+                <a16:creationId xmlns:a16="http://schemas.microsoft.com/office/drawing/2014/main" id="{E479932B-C1EC-1C43-2517-7918AF89A31E}"/>
+              </a:ext>
+            </a:extLst>
+          </p:cNvPr>
+          <p:cNvSpPr>
+            <a:spLocks noGrp="1"/>
+          </p:cNvSpPr>
+          <p:nvPr>
+            <p:ph type="sldNum" sz="quarter" idx="12"/>
+          </p:nvPr>
+        </p:nvSpPr>
+        <p:spPr/>
+        <p:txBody>
+          <a:bodyPr/>
+          <a:lstStyle/>
+          <a:p>
+            <a:fld id="{1A980C56-831A-4EAB-9EDE-57C090F4F877}" type="slidenum">
+              <a:rPr lang="en-US" smtClean="0"/>
+              <a:t>9</a:t>
+            </a:fld>
+            <a:endParaRPr lang="en-US" dirty="0"/>
+          </a:p>
+        </p:txBody>
+      </p:sp>
+      <p:cxnSp>
+        <p:nvCxnSpPr>
+          <p:cNvPr id="7" name="Straight Arrow Connector 6">
+            <a:extLst>
+              <a:ext uri="{FF2B5EF4-FFF2-40B4-BE49-F238E27FC236}">
+                <a16:creationId xmlns:a16="http://schemas.microsoft.com/office/drawing/2014/main" id="{1D92E734-71AD-D10B-AB9C-66E37CC44A25}"/>
+              </a:ext>
+            </a:extLst>
+          </p:cNvPr>
+          <p:cNvCxnSpPr/>
+          <p:nvPr/>
+        </p:nvCxnSpPr>
+        <p:spPr>
+          <a:xfrm>
+            <a:off x="2627160" y="6048574"/>
+            <a:ext cx="3886200" cy="0"/>
+          </a:xfrm>
+          <a:prstGeom prst="straightConnector1">
+            <a:avLst/>
+          </a:prstGeom>
+          <a:ln w="19050">
+            <a:solidFill>
+              <a:schemeClr val="tx1"/>
+            </a:solidFill>
+            <a:tailEnd type="triangle"/>
+          </a:ln>
+        </p:spPr>
+        <p:style>
+          <a:lnRef idx="1">
+            <a:schemeClr val="accent1"/>
+          </a:lnRef>
+          <a:fillRef idx="0">
+            <a:schemeClr val="accent1"/>
+          </a:fillRef>
+          <a:effectRef idx="0">
+            <a:schemeClr val="accent1"/>
+          </a:effectRef>
+          <a:fontRef idx="minor">
+            <a:schemeClr val="tx1"/>
+          </a:fontRef>
+        </p:style>
+      </p:cxnSp>
+      <p:cxnSp>
+        <p:nvCxnSpPr>
+          <p:cNvPr id="8" name="Straight Arrow Connector 7">
+            <a:extLst>
+              <a:ext uri="{FF2B5EF4-FFF2-40B4-BE49-F238E27FC236}">
+                <a16:creationId xmlns:a16="http://schemas.microsoft.com/office/drawing/2014/main" id="{AFBF915F-80CB-C9EE-A4FF-818EE87C839A}"/>
+              </a:ext>
+            </a:extLst>
+          </p:cNvPr>
+          <p:cNvCxnSpPr>
+            <a:cxnSpLocks/>
+          </p:cNvCxnSpPr>
+          <p:nvPr/>
+        </p:nvCxnSpPr>
+        <p:spPr>
+          <a:xfrm rot="16200000">
+            <a:off x="846851" y="4266101"/>
+            <a:ext cx="3886200" cy="0"/>
+          </a:xfrm>
+          <a:prstGeom prst="straightConnector1">
+            <a:avLst/>
+          </a:prstGeom>
+          <a:ln w="19050">
+            <a:solidFill>
+              <a:schemeClr val="tx1"/>
+            </a:solidFill>
+            <a:tailEnd type="triangle"/>
+          </a:ln>
+        </p:spPr>
+        <p:style>
+          <a:lnRef idx="1">
+            <a:schemeClr val="accent1"/>
+          </a:lnRef>
+          <a:fillRef idx="0">
+            <a:schemeClr val="accent1"/>
+          </a:fillRef>
+          <a:effectRef idx="0">
+            <a:schemeClr val="accent1"/>
+          </a:effectRef>
+          <a:fontRef idx="minor">
+            <a:schemeClr val="tx1"/>
+          </a:fontRef>
+        </p:style>
+      </p:cxnSp>
+      <p:sp>
+        <p:nvSpPr>
+          <p:cNvPr id="9" name="TextBox 8">
+            <a:extLst>
+              <a:ext uri="{FF2B5EF4-FFF2-40B4-BE49-F238E27FC236}">
+                <a16:creationId xmlns:a16="http://schemas.microsoft.com/office/drawing/2014/main" id="{A3D2F674-8E00-A284-2DCC-5E217E41112F}"/>
+              </a:ext>
+            </a:extLst>
+          </p:cNvPr>
+          <p:cNvSpPr txBox="1"/>
+          <p:nvPr/>
+        </p:nvSpPr>
+        <p:spPr>
+          <a:xfrm>
+            <a:off x="5815284" y="6048574"/>
+            <a:ext cx="698076" cy="307777"/>
+          </a:xfrm>
+          <a:prstGeom prst="rect">
+            <a:avLst/>
+          </a:prstGeom>
+          <a:noFill/>
+        </p:spPr>
+        <p:txBody>
+          <a:bodyPr wrap="none" rtlCol="0">
+            <a:spAutoFit/>
+          </a:bodyPr>
+          <a:lstStyle/>
+          <a:p>
+            <a:r>
+              <a:rPr lang="en-US" sz="1400" dirty="0"/>
+              <a:t>Money</a:t>
+            </a:r>
+          </a:p>
+        </p:txBody>
+      </p:sp>
+      <p:sp>
+        <p:nvSpPr>
+          <p:cNvPr id="10" name="TextBox 9">
+            <a:extLst>
+              <a:ext uri="{FF2B5EF4-FFF2-40B4-BE49-F238E27FC236}">
+                <a16:creationId xmlns:a16="http://schemas.microsoft.com/office/drawing/2014/main" id="{76E0C271-7852-4ABD-02D2-B99B9A69C197}"/>
+              </a:ext>
+            </a:extLst>
+          </p:cNvPr>
+          <p:cNvSpPr txBox="1"/>
+          <p:nvPr/>
+        </p:nvSpPr>
+        <p:spPr>
+          <a:xfrm rot="16200000">
+            <a:off x="2066110" y="2746298"/>
+            <a:ext cx="1122102" cy="307777"/>
+          </a:xfrm>
+          <a:prstGeom prst="rect">
+            <a:avLst/>
+          </a:prstGeom>
+          <a:noFill/>
+        </p:spPr>
+        <p:txBody>
+          <a:bodyPr wrap="none" rtlCol="0">
+            <a:spAutoFit/>
+          </a:bodyPr>
+          <a:lstStyle/>
+          <a:p>
+            <a:r>
+              <a:rPr lang="en-US" sz="1400" dirty="0"/>
+              <a:t>Interest Rate</a:t>
+            </a:r>
+          </a:p>
+        </p:txBody>
+      </p:sp>
+      <p:sp>
+        <p:nvSpPr>
+          <p:cNvPr id="11" name="Freeform: Shape 10">
+            <a:extLst>
+              <a:ext uri="{FF2B5EF4-FFF2-40B4-BE49-F238E27FC236}">
+                <a16:creationId xmlns:a16="http://schemas.microsoft.com/office/drawing/2014/main" id="{C08D5F0A-8638-D0FF-1F16-BDA6162AA73E}"/>
+              </a:ext>
+            </a:extLst>
+          </p:cNvPr>
+          <p:cNvSpPr/>
+          <p:nvPr/>
+        </p:nvSpPr>
+        <p:spPr>
+          <a:xfrm>
+            <a:off x="2970060" y="2665901"/>
+            <a:ext cx="3200400" cy="3200400"/>
+          </a:xfrm>
+          <a:custGeom>
+            <a:avLst/>
+            <a:gdLst>
+              <a:gd name="connsiteX0" fmla="*/ 0 w 2795154"/>
+              <a:gd name="connsiteY0" fmla="*/ 0 h 2795154"/>
+              <a:gd name="connsiteX1" fmla="*/ 904009 w 2795154"/>
+              <a:gd name="connsiteY1" fmla="*/ 1870363 h 2795154"/>
+              <a:gd name="connsiteX2" fmla="*/ 2795154 w 2795154"/>
+              <a:gd name="connsiteY2" fmla="*/ 2795154 h 2795154"/>
+            </a:gdLst>
+            <a:ahLst/>
+            <a:cxnLst>
+              <a:cxn ang="0">
+                <a:pos x="connsiteX0" y="connsiteY0"/>
+              </a:cxn>
+              <a:cxn ang="0">
+                <a:pos x="connsiteX1" y="connsiteY1"/>
+              </a:cxn>
+              <a:cxn ang="0">
+                <a:pos x="connsiteX2" y="connsiteY2"/>
+              </a:cxn>
+            </a:cxnLst>
+            <a:rect l="l" t="t" r="r" b="b"/>
+            <a:pathLst>
+              <a:path w="2795154" h="2795154">
+                <a:moveTo>
+                  <a:pt x="0" y="0"/>
+                </a:moveTo>
+                <a:cubicBezTo>
+                  <a:pt x="219075" y="702252"/>
+                  <a:pt x="438150" y="1404504"/>
+                  <a:pt x="904009" y="1870363"/>
+                </a:cubicBezTo>
+                <a:cubicBezTo>
+                  <a:pt x="1369868" y="2336222"/>
+                  <a:pt x="2082511" y="2565688"/>
+                  <a:pt x="2795154" y="2795154"/>
+                </a:cubicBezTo>
+              </a:path>
+            </a:pathLst>
+          </a:custGeom>
+          <a:noFill/>
+          <a:ln w="28575">
+            <a:solidFill>
+              <a:srgbClr val="00B0F0"/>
+            </a:solidFill>
+            <a:prstDash val="solid"/>
+          </a:ln>
+        </p:spPr>
+        <p:style>
+          <a:lnRef idx="2">
+            <a:schemeClr val="accent1">
+              <a:shade val="15000"/>
+            </a:schemeClr>
+          </a:lnRef>
+          <a:fillRef idx="1">
+            <a:schemeClr val="accent1"/>
+          </a:fillRef>
+          <a:effectRef idx="0">
+            <a:schemeClr val="accent1"/>
+          </a:effectRef>
+          <a:fontRef idx="minor">
+            <a:schemeClr val="lt1"/>
+          </a:fontRef>
+        </p:style>
+        <p:txBody>
+          <a:bodyPr rtlCol="0" anchor="ctr"/>
+          <a:lstStyle/>
+          <a:p>
+            <a:pPr algn="ctr"/>
+            <a:endParaRPr lang="en-US">
+              <a:solidFill>
+                <a:srgbClr val="00B0F0"/>
+              </a:solidFill>
+            </a:endParaRPr>
+          </a:p>
+        </p:txBody>
+      </p:sp>
+      <mc:AlternateContent xmlns:mc="http://schemas.openxmlformats.org/markup-compatibility/2006" xmlns:a14="http://schemas.microsoft.com/office/drawing/2010/main">
+        <mc:Choice Requires="a14">
+          <p:sp>
+            <p:nvSpPr>
+              <p:cNvPr id="12" name="TextBox 11">
+                <a:extLst>
+                  <a:ext uri="{FF2B5EF4-FFF2-40B4-BE49-F238E27FC236}">
+                    <a16:creationId xmlns:a16="http://schemas.microsoft.com/office/drawing/2014/main" id="{EF7DA721-1F75-A565-6667-099988DB19FB}"/>
+                  </a:ext>
+                </a:extLst>
+              </p:cNvPr>
+              <p:cNvSpPr txBox="1"/>
+              <p:nvPr/>
+            </p:nvSpPr>
+            <p:spPr>
+              <a:xfrm>
+                <a:off x="5818175" y="5339769"/>
+                <a:ext cx="607282" cy="411779"/>
+              </a:xfrm>
+              <a:prstGeom prst="rect">
+                <a:avLst/>
+              </a:prstGeom>
+              <a:noFill/>
+            </p:spPr>
+            <p:txBody>
+              <a:bodyPr wrap="none" rtlCol="0">
+                <a:spAutoFit/>
+              </a:bodyPr>
+              <a:lstStyle/>
+              <a:p>
+                <a:pPr/>
+                <a14:m>
+                  <m:oMathPara xmlns:m="http://schemas.openxmlformats.org/officeDocument/2006/math">
+                    <m:oMathParaPr>
+                      <m:jc m:val="centerGroup"/>
+                    </m:oMathParaPr>
+                    <m:oMath xmlns:m="http://schemas.openxmlformats.org/officeDocument/2006/math">
+                      <m:sSup>
+                        <m:sSupPr>
+                          <m:ctrlPr>
+                            <a:rPr lang="en-US" sz="2000" i="1" smtClean="0">
+                              <a:solidFill>
+                                <a:srgbClr val="00B0F0"/>
+                              </a:solidFill>
+                              <a:latin typeface="Cambria Math" panose="02040503050406030204" pitchFamily="18" charset="0"/>
+                            </a:rPr>
+                          </m:ctrlPr>
+                        </m:sSupPr>
+                        <m:e>
+                          <m:r>
+                            <a:rPr lang="en-US" sz="2000" b="0" i="1" smtClean="0">
+                              <a:solidFill>
+                                <a:srgbClr val="00B0F0"/>
+                              </a:solidFill>
+                              <a:latin typeface="Cambria Math" panose="02040503050406030204" pitchFamily="18" charset="0"/>
+                            </a:rPr>
+                            <m:t>𝑀</m:t>
+                          </m:r>
+                        </m:e>
+                        <m:sup>
+                          <m:r>
+                            <a:rPr lang="en-US" sz="2000" b="0" i="1" smtClean="0">
+                              <a:solidFill>
+                                <a:srgbClr val="00B0F0"/>
+                              </a:solidFill>
+                              <a:latin typeface="Cambria Math" panose="02040503050406030204" pitchFamily="18" charset="0"/>
+                            </a:rPr>
+                            <m:t>𝑑</m:t>
+                          </m:r>
+                        </m:sup>
+                      </m:sSup>
+                    </m:oMath>
+                  </m:oMathPara>
+                </a14:m>
+                <a:endParaRPr lang="en-US" sz="2000" dirty="0">
+                  <a:solidFill>
+                    <a:srgbClr val="00B0F0"/>
+                  </a:solidFill>
+                </a:endParaRPr>
+              </a:p>
+            </p:txBody>
+          </p:sp>
+        </mc:Choice>
+        <mc:Fallback xmlns="">
+          <p:sp>
+            <p:nvSpPr>
+              <p:cNvPr id="12" name="TextBox 11">
+                <a:extLst>
+                  <a:ext uri="{FF2B5EF4-FFF2-40B4-BE49-F238E27FC236}">
+                    <a16:creationId xmlns:a16="http://schemas.microsoft.com/office/drawing/2014/main" id="{EF7DA721-1F75-A565-6667-099988DB19FB}"/>
+                  </a:ext>
+                </a:extLst>
+              </p:cNvPr>
+              <p:cNvSpPr txBox="1">
+                <a:spLocks noRot="1" noChangeAspect="1" noMove="1" noResize="1" noEditPoints="1" noAdjustHandles="1" noChangeArrowheads="1" noChangeShapeType="1" noTextEdit="1"/>
+              </p:cNvSpPr>
+              <p:nvPr/>
+            </p:nvSpPr>
+            <p:spPr>
+              <a:xfrm>
+                <a:off x="5818175" y="5339769"/>
+                <a:ext cx="607282" cy="411779"/>
+              </a:xfrm>
+              <a:prstGeom prst="rect">
+                <a:avLst/>
+              </a:prstGeom>
+              <a:blipFill>
+                <a:blip r:embed="rId2"/>
+                <a:stretch>
+                  <a:fillRect/>
+                </a:stretch>
+              </a:blipFill>
+            </p:spPr>
+            <p:txBody>
+              <a:bodyPr/>
+              <a:lstStyle/>
+              <a:p>
+                <a:r>
+                  <a:rPr lang="en-US">
+                    <a:noFill/>
+                  </a:rPr>
+                  <a:t> </a:t>
+                </a:r>
+              </a:p>
+            </p:txBody>
+          </p:sp>
+        </mc:Fallback>
+      </mc:AlternateContent>
+      <p:cxnSp>
+        <p:nvCxnSpPr>
+          <p:cNvPr id="18" name="Straight Connector 17">
+            <a:extLst>
+              <a:ext uri="{FF2B5EF4-FFF2-40B4-BE49-F238E27FC236}">
+                <a16:creationId xmlns:a16="http://schemas.microsoft.com/office/drawing/2014/main" id="{BC8FDF74-32BF-7894-96D9-9011BF918F5E}"/>
+              </a:ext>
+            </a:extLst>
+          </p:cNvPr>
+          <p:cNvCxnSpPr>
+            <a:cxnSpLocks/>
+          </p:cNvCxnSpPr>
+          <p:nvPr/>
+        </p:nvCxnSpPr>
+        <p:spPr>
+          <a:xfrm>
+            <a:off x="4203980" y="2422147"/>
+            <a:ext cx="0" cy="3616036"/>
+          </a:xfrm>
+          <a:prstGeom prst="line">
+            <a:avLst/>
+          </a:prstGeom>
+          <a:ln w="28575">
+            <a:solidFill>
+              <a:srgbClr val="FF0000"/>
+            </a:solidFill>
+          </a:ln>
+        </p:spPr>
+        <p:style>
+          <a:lnRef idx="1">
+            <a:schemeClr val="accent1"/>
+          </a:lnRef>
+          <a:fillRef idx="0">
+            <a:schemeClr val="accent1"/>
+          </a:fillRef>
+          <a:effectRef idx="0">
+            <a:schemeClr val="accent1"/>
+          </a:effectRef>
+          <a:fontRef idx="minor">
+            <a:schemeClr val="tx1"/>
+          </a:fontRef>
+        </p:style>
+      </p:cxnSp>
+      <p:sp>
+        <p:nvSpPr>
+          <p:cNvPr id="19" name="Oval 18">
+            <a:extLst>
+              <a:ext uri="{FF2B5EF4-FFF2-40B4-BE49-F238E27FC236}">
+                <a16:creationId xmlns:a16="http://schemas.microsoft.com/office/drawing/2014/main" id="{CABD6719-4B1B-0751-FF2E-205E0B54C7C7}"/>
+              </a:ext>
+            </a:extLst>
+          </p:cNvPr>
+          <p:cNvSpPr/>
+          <p:nvPr/>
+        </p:nvSpPr>
+        <p:spPr>
+          <a:xfrm>
+            <a:off x="4158260" y="4939764"/>
+            <a:ext cx="91440" cy="91440"/>
+          </a:xfrm>
+          <a:prstGeom prst="ellipse">
+            <a:avLst/>
+          </a:prstGeom>
+          <a:solidFill>
+            <a:schemeClr val="tx1"/>
+          </a:solidFill>
+          <a:ln>
+            <a:solidFill>
+              <a:schemeClr val="tx1"/>
+            </a:solidFill>
+          </a:ln>
+        </p:spPr>
+        <p:style>
+          <a:lnRef idx="2">
+            <a:schemeClr val="accent1">
+              <a:shade val="15000"/>
+            </a:schemeClr>
+          </a:lnRef>
+          <a:fillRef idx="1">
+            <a:schemeClr val="accent1"/>
+          </a:fillRef>
+          <a:effectRef idx="0">
+            <a:schemeClr val="accent1"/>
+          </a:effectRef>
+          <a:fontRef idx="minor">
+            <a:schemeClr val="lt1"/>
+          </a:fontRef>
+        </p:style>
+        <p:txBody>
+          <a:bodyPr rtlCol="0" anchor="ctr"/>
+          <a:lstStyle/>
+          <a:p>
+            <a:pPr algn="ctr"/>
+            <a:endParaRPr lang="en-US"/>
+          </a:p>
+        </p:txBody>
+      </p:sp>
+      <p:cxnSp>
+        <p:nvCxnSpPr>
+          <p:cNvPr id="21" name="Straight Connector 20">
+            <a:extLst>
+              <a:ext uri="{FF2B5EF4-FFF2-40B4-BE49-F238E27FC236}">
+                <a16:creationId xmlns:a16="http://schemas.microsoft.com/office/drawing/2014/main" id="{45D54EAF-EA51-2099-823D-B44E2730049D}"/>
+              </a:ext>
+            </a:extLst>
+          </p:cNvPr>
+          <p:cNvCxnSpPr>
+            <a:cxnSpLocks/>
+            <a:endCxn id="19" idx="2"/>
+          </p:cNvCxnSpPr>
+          <p:nvPr/>
+        </p:nvCxnSpPr>
+        <p:spPr>
+          <a:xfrm>
+            <a:off x="2789950" y="4985484"/>
+            <a:ext cx="1368310" cy="0"/>
+          </a:xfrm>
+          <a:prstGeom prst="line">
+            <a:avLst/>
+          </a:prstGeom>
+          <a:ln>
+            <a:solidFill>
+              <a:schemeClr val="tx1"/>
+            </a:solidFill>
+            <a:prstDash val="dash"/>
+          </a:ln>
+        </p:spPr>
+        <p:style>
+          <a:lnRef idx="1">
+            <a:schemeClr val="accent1"/>
+          </a:lnRef>
+          <a:fillRef idx="0">
+            <a:schemeClr val="accent1"/>
+          </a:fillRef>
+          <a:effectRef idx="0">
+            <a:schemeClr val="accent1"/>
+          </a:effectRef>
+          <a:fontRef idx="minor">
+            <a:schemeClr val="tx1"/>
+          </a:fontRef>
+        </p:style>
+      </p:cxnSp>
+      <mc:AlternateContent xmlns:mc="http://schemas.openxmlformats.org/markup-compatibility/2006" xmlns:a14="http://schemas.microsoft.com/office/drawing/2010/main">
+        <mc:Choice Requires="a14">
+          <p:sp>
+            <p:nvSpPr>
+              <p:cNvPr id="22" name="TextBox 21">
+                <a:extLst>
+                  <a:ext uri="{FF2B5EF4-FFF2-40B4-BE49-F238E27FC236}">
+                    <a16:creationId xmlns:a16="http://schemas.microsoft.com/office/drawing/2014/main" id="{5C0BBC83-FBF0-5DC5-0427-F7EE51410737}"/>
+                  </a:ext>
+                </a:extLst>
+              </p:cNvPr>
+              <p:cNvSpPr txBox="1"/>
+              <p:nvPr/>
+            </p:nvSpPr>
+            <p:spPr>
+              <a:xfrm>
+                <a:off x="2455952" y="4794374"/>
+                <a:ext cx="307778" cy="369332"/>
+              </a:xfrm>
+              <a:prstGeom prst="rect">
+                <a:avLst/>
+              </a:prstGeom>
+              <a:noFill/>
+            </p:spPr>
+            <p:txBody>
+              <a:bodyPr wrap="square" rtlCol="0">
+                <a:spAutoFit/>
+              </a:bodyPr>
+              <a:lstStyle/>
+              <a:p>
+                <a:pPr/>
+                <a14:m>
+                  <m:oMathPara xmlns:m="http://schemas.openxmlformats.org/officeDocument/2006/math">
+                    <m:oMathParaPr>
+                      <m:jc m:val="centerGroup"/>
+                    </m:oMathParaPr>
+                    <m:oMath xmlns:m="http://schemas.openxmlformats.org/officeDocument/2006/math">
+                      <m:sSup>
+                        <m:sSupPr>
+                          <m:ctrlPr>
+                            <a:rPr lang="en-US" b="0" i="1" smtClean="0">
+                              <a:latin typeface="Cambria Math" panose="02040503050406030204" pitchFamily="18" charset="0"/>
+                            </a:rPr>
+                          </m:ctrlPr>
+                        </m:sSupPr>
+                        <m:e>
+                          <m:r>
+                            <a:rPr lang="en-US" b="0" i="1" smtClean="0">
+                              <a:latin typeface="Cambria Math" panose="02040503050406030204" pitchFamily="18" charset="0"/>
+                            </a:rPr>
+                            <m:t>𝑖</m:t>
+                          </m:r>
+                        </m:e>
+                        <m:sup>
+                          <m:r>
+                            <a:rPr lang="en-US" b="0" i="1" smtClean="0">
+                              <a:latin typeface="Cambria Math" panose="02040503050406030204" pitchFamily="18" charset="0"/>
+                            </a:rPr>
+                            <m:t>∗</m:t>
+                          </m:r>
+                        </m:sup>
+                      </m:sSup>
+                    </m:oMath>
+                  </m:oMathPara>
+                </a14:m>
+                <a:endParaRPr lang="en-US" dirty="0"/>
+              </a:p>
+            </p:txBody>
+          </p:sp>
+        </mc:Choice>
+        <mc:Fallback xmlns="">
+          <p:sp>
+            <p:nvSpPr>
+              <p:cNvPr id="22" name="TextBox 21">
+                <a:extLst>
+                  <a:ext uri="{FF2B5EF4-FFF2-40B4-BE49-F238E27FC236}">
+                    <a16:creationId xmlns:a16="http://schemas.microsoft.com/office/drawing/2014/main" id="{5C0BBC83-FBF0-5DC5-0427-F7EE51410737}"/>
+                  </a:ext>
+                </a:extLst>
+              </p:cNvPr>
+              <p:cNvSpPr txBox="1">
+                <a:spLocks noRot="1" noChangeAspect="1" noMove="1" noResize="1" noEditPoints="1" noAdjustHandles="1" noChangeArrowheads="1" noChangeShapeType="1" noTextEdit="1"/>
+              </p:cNvSpPr>
+              <p:nvPr/>
+            </p:nvSpPr>
+            <p:spPr>
+              <a:xfrm>
+                <a:off x="2455952" y="4794374"/>
+                <a:ext cx="307778" cy="369332"/>
+              </a:xfrm>
+              <a:prstGeom prst="rect">
+                <a:avLst/>
+              </a:prstGeom>
+              <a:blipFill>
+                <a:blip r:embed="rId3"/>
+                <a:stretch>
+                  <a:fillRect/>
+                </a:stretch>
+              </a:blipFill>
+            </p:spPr>
+            <p:txBody>
+              <a:bodyPr/>
+              <a:lstStyle/>
+              <a:p>
+                <a:r>
+                  <a:rPr lang="en-US">
+                    <a:noFill/>
+                  </a:rPr>
+                  <a:t> </a:t>
+                </a:r>
+              </a:p>
+            </p:txBody>
+          </p:sp>
+        </mc:Fallback>
+      </mc:AlternateContent>
+      <mc:AlternateContent xmlns:mc="http://schemas.openxmlformats.org/markup-compatibility/2006" xmlns:a14="http://schemas.microsoft.com/office/drawing/2010/main">
+        <mc:Choice Requires="a14">
+          <p:sp>
+            <p:nvSpPr>
+              <p:cNvPr id="26" name="TextBox 25">
+                <a:extLst>
+                  <a:ext uri="{FF2B5EF4-FFF2-40B4-BE49-F238E27FC236}">
+                    <a16:creationId xmlns:a16="http://schemas.microsoft.com/office/drawing/2014/main" id="{CCBEEA97-EDA8-9C79-03F3-7941E3FDFAC7}"/>
+                  </a:ext>
+                </a:extLst>
+              </p:cNvPr>
+              <p:cNvSpPr txBox="1"/>
+              <p:nvPr/>
+            </p:nvSpPr>
+            <p:spPr>
+              <a:xfrm>
+                <a:off x="4195079" y="2370905"/>
+                <a:ext cx="446290" cy="400110"/>
+              </a:xfrm>
+              <a:prstGeom prst="rect">
+                <a:avLst/>
+              </a:prstGeom>
+              <a:noFill/>
+            </p:spPr>
+            <p:txBody>
+              <a:bodyPr wrap="square" rtlCol="0">
+                <a:spAutoFit/>
+              </a:bodyPr>
+              <a:lstStyle/>
+              <a:p>
+                <a:pPr/>
+                <a14:m>
+                  <m:oMathPara xmlns:m="http://schemas.openxmlformats.org/officeDocument/2006/math">
+                    <m:oMathParaPr>
+                      <m:jc m:val="centerGroup"/>
+                    </m:oMathParaPr>
+                    <m:oMath xmlns:m="http://schemas.openxmlformats.org/officeDocument/2006/math">
+                      <m:sSup>
+                        <m:sSupPr>
+                          <m:ctrlPr>
+                            <a:rPr lang="en-US" sz="2000" b="1" i="1" smtClean="0">
+                              <a:solidFill>
+                                <a:srgbClr val="FF0000"/>
+                              </a:solidFill>
+                              <a:latin typeface="Cambria Math" panose="02040503050406030204" pitchFamily="18" charset="0"/>
+                            </a:rPr>
+                          </m:ctrlPr>
+                        </m:sSupPr>
+                        <m:e>
+                          <m:r>
+                            <a:rPr lang="en-US" sz="2000" b="1" i="1" smtClean="0">
+                              <a:solidFill>
+                                <a:srgbClr val="FF0000"/>
+                              </a:solidFill>
+                              <a:latin typeface="Cambria Math" panose="02040503050406030204" pitchFamily="18" charset="0"/>
+                            </a:rPr>
+                            <m:t>𝑴</m:t>
+                          </m:r>
+                        </m:e>
+                        <m:sup>
+                          <m:r>
+                            <a:rPr lang="en-US" sz="2000" b="1" i="1" smtClean="0">
+                              <a:solidFill>
+                                <a:srgbClr val="FF0000"/>
+                              </a:solidFill>
+                              <a:latin typeface="Cambria Math" panose="02040503050406030204" pitchFamily="18" charset="0"/>
+                            </a:rPr>
+                            <m:t>𝒔</m:t>
+                          </m:r>
+                        </m:sup>
+                      </m:sSup>
+                    </m:oMath>
+                  </m:oMathPara>
+                </a14:m>
+                <a:endParaRPr lang="en-US" sz="2000" b="1" dirty="0">
+                  <a:solidFill>
+                    <a:srgbClr val="FF0000"/>
+                  </a:solidFill>
+                </a:endParaRPr>
+              </a:p>
+            </p:txBody>
+          </p:sp>
+        </mc:Choice>
+        <mc:Fallback xmlns="">
+          <p:sp>
+            <p:nvSpPr>
+              <p:cNvPr id="26" name="TextBox 25">
+                <a:extLst>
+                  <a:ext uri="{FF2B5EF4-FFF2-40B4-BE49-F238E27FC236}">
+                    <a16:creationId xmlns:a16="http://schemas.microsoft.com/office/drawing/2014/main" id="{CCBEEA97-EDA8-9C79-03F3-7941E3FDFAC7}"/>
+                  </a:ext>
+                </a:extLst>
+              </p:cNvPr>
+              <p:cNvSpPr txBox="1">
+                <a:spLocks noRot="1" noChangeAspect="1" noMove="1" noResize="1" noEditPoints="1" noAdjustHandles="1" noChangeArrowheads="1" noChangeShapeType="1" noTextEdit="1"/>
+              </p:cNvSpPr>
+              <p:nvPr/>
+            </p:nvSpPr>
+            <p:spPr>
+              <a:xfrm>
+                <a:off x="4195079" y="2370905"/>
+                <a:ext cx="446290" cy="400110"/>
+              </a:xfrm>
+              <a:prstGeom prst="rect">
+                <a:avLst/>
+              </a:prstGeom>
+              <a:blipFill>
+                <a:blip r:embed="rId4"/>
+                <a:stretch>
+                  <a:fillRect r="-5479"/>
+                </a:stretch>
+              </a:blipFill>
+            </p:spPr>
+            <p:txBody>
+              <a:bodyPr/>
+              <a:lstStyle/>
+              <a:p>
+                <a:r>
+                  <a:rPr lang="en-US">
+                    <a:noFill/>
+                  </a:rPr>
+                  <a:t> </a:t>
+                </a:r>
+              </a:p>
+            </p:txBody>
+          </p:sp>
+        </mc:Fallback>
+      </mc:AlternateContent>
+    </p:spTree>
+    <p:extLst>
+      <p:ext uri="{BB962C8B-B14F-4D97-AF65-F5344CB8AC3E}">
+        <p14:creationId xmlns:p14="http://schemas.microsoft.com/office/powerpoint/2010/main" val="4013180384"/>
+      </p:ext>
+    </p:extLst>
+  </p:cSld>
+  <p:clrMapOvr>
+    <a:masterClrMapping/>
+  </p:clrMapOvr>
+  <p:timing>
+    <p:tnLst>
+      <p:par>
+        <p:cTn id="1" dur="indefinite" restart="never" nodeType="tmRoot">
+          <p:childTnLst>
+            <p:seq concurrent="1" nextAc="seek">
+              <p:cTn id="2" dur="indefinite" nodeType="mainSeq">
+                <p:childTnLst>
+                  <p:par>
+                    <p:cTn id="3" fill="hold">
+                      <p:stCondLst>
+                        <p:cond delay="indefinite"/>
+                        <p:cond evt="onBegin" delay="0">
+                          <p:tn val="2"/>
+                        </p:cond>
+                      </p:stCondLst>
+                      <p:childTnLst>
+                        <p:par>
+                          <p:cTn id="4" fill="hold">
+                            <p:stCondLst>
+                              <p:cond delay="0"/>
+                            </p:stCondLst>
+                            <p:childTnLst>
+                              <p:par>
+                                <p:cTn id="5" presetID="10" presetClass="entr" presetSubtype="0" fill="hold" nodeType="withEffect">
+                                  <p:stCondLst>
+                                    <p:cond delay="0"/>
+                                  </p:stCondLst>
+                                  <p:childTnLst>
+                                    <p:set>
+                                      <p:cBhvr>
+                                        <p:cTn id="6" dur="1" fill="hold">
+                                          <p:stCondLst>
+                                            <p:cond delay="0"/>
+                                          </p:stCondLst>
+                                        </p:cTn>
+                                        <p:tgtEl>
+                                          <p:spTgt spid="3">
+                                            <p:txEl>
+                                              <p:pRg st="0" end="0"/>
+                                            </p:txEl>
+                                          </p:spTgt>
+                                        </p:tgtEl>
+                                        <p:attrNameLst>
+                                          <p:attrName>style.visibility</p:attrName>
+                                        </p:attrNameLst>
+                                      </p:cBhvr>
+                                      <p:to>
+                                        <p:strVal val="visible"/>
+                                      </p:to>
+                                    </p:set>
+                                    <p:animEffect transition="in" filter="fade">
+                                      <p:cBhvr>
+                                        <p:cTn id="7" dur="500"/>
+                                        <p:tgtEl>
+                                          <p:spTgt spid="3">
+                                            <p:txEl>
+                                              <p:pRg st="0" end="0"/>
+                                            </p:txEl>
+                                          </p:spTgt>
+                                        </p:tgtEl>
+                                      </p:cBhvr>
+                                    </p:animEffect>
+                                  </p:childTnLst>
+                                </p:cTn>
+                              </p:par>
+                            </p:childTnLst>
+                          </p:cTn>
+                        </p:par>
+                      </p:childTnLst>
+                    </p:cTn>
+                  </p:par>
+                  <p:par>
+                    <p:cTn id="8" fill="hold">
+                      <p:stCondLst>
+                        <p:cond delay="indefinite"/>
+                      </p:stCondLst>
+                      <p:childTnLst>
+                        <p:par>
+                          <p:cTn id="9" fill="hold">
+                            <p:stCondLst>
+                              <p:cond delay="0"/>
+                            </p:stCondLst>
+                            <p:childTnLst>
+                              <p:par>
+                                <p:cTn id="10" presetID="10" presetClass="entr" presetSubtype="0" fill="hold" grpId="0" nodeType="clickEffect">
+                                  <p:stCondLst>
+                                    <p:cond delay="0"/>
+                                  </p:stCondLst>
+                                  <p:childTnLst>
+                                    <p:set>
+                                      <p:cBhvr>
+                                        <p:cTn id="11" dur="1" fill="hold">
+                                          <p:stCondLst>
+                                            <p:cond delay="0"/>
+                                          </p:stCondLst>
+                                        </p:cTn>
+                                        <p:tgtEl>
+                                          <p:spTgt spid="10"/>
+                                        </p:tgtEl>
+                                        <p:attrNameLst>
+                                          <p:attrName>style.visibility</p:attrName>
+                                        </p:attrNameLst>
+                                      </p:cBhvr>
+                                      <p:to>
+                                        <p:strVal val="visible"/>
+                                      </p:to>
+                                    </p:set>
+                                    <p:animEffect transition="in" filter="fade">
+                                      <p:cBhvr>
+                                        <p:cTn id="12" dur="500"/>
+                                        <p:tgtEl>
+                                          <p:spTgt spid="10"/>
+                                        </p:tgtEl>
+                                      </p:cBhvr>
+                                    </p:animEffect>
+                                  </p:childTnLst>
+                                </p:cTn>
+                              </p:par>
+                              <p:par>
+                                <p:cTn id="13" presetID="10" presetClass="entr" presetSubtype="0" fill="hold" nodeType="withEffect">
+                                  <p:stCondLst>
+                                    <p:cond delay="0"/>
+                                  </p:stCondLst>
+                                  <p:childTnLst>
+                                    <p:set>
+                                      <p:cBhvr>
+                                        <p:cTn id="14" dur="1" fill="hold">
+                                          <p:stCondLst>
+                                            <p:cond delay="0"/>
+                                          </p:stCondLst>
+                                        </p:cTn>
+                                        <p:tgtEl>
+                                          <p:spTgt spid="8"/>
+                                        </p:tgtEl>
+                                        <p:attrNameLst>
+                                          <p:attrName>style.visibility</p:attrName>
+                                        </p:attrNameLst>
+                                      </p:cBhvr>
+                                      <p:to>
+                                        <p:strVal val="visible"/>
+                                      </p:to>
+                                    </p:set>
+                                    <p:animEffect transition="in" filter="fade">
+                                      <p:cBhvr>
+                                        <p:cTn id="15" dur="500"/>
+                                        <p:tgtEl>
+                                          <p:spTgt spid="8"/>
+                                        </p:tgtEl>
+                                      </p:cBhvr>
+                                    </p:animEffect>
+                                  </p:childTnLst>
+                                </p:cTn>
+                              </p:par>
+                              <p:par>
+                                <p:cTn id="16" presetID="10" presetClass="entr" presetSubtype="0" fill="hold" nodeType="withEffect">
+                                  <p:stCondLst>
+                                    <p:cond delay="0"/>
+                                  </p:stCondLst>
+                                  <p:childTnLst>
+                                    <p:set>
+                                      <p:cBhvr>
+                                        <p:cTn id="17" dur="1" fill="hold">
+                                          <p:stCondLst>
+                                            <p:cond delay="0"/>
+                                          </p:stCondLst>
+                                        </p:cTn>
+                                        <p:tgtEl>
+                                          <p:spTgt spid="7"/>
+                                        </p:tgtEl>
+                                        <p:attrNameLst>
+                                          <p:attrName>style.visibility</p:attrName>
+                                        </p:attrNameLst>
+                                      </p:cBhvr>
+                                      <p:to>
+                                        <p:strVal val="visible"/>
+                                      </p:to>
+                                    </p:set>
+                                    <p:animEffect transition="in" filter="fade">
+                                      <p:cBhvr>
+                                        <p:cTn id="18" dur="500"/>
+                                        <p:tgtEl>
+                                          <p:spTgt spid="7"/>
+                                        </p:tgtEl>
+                                      </p:cBhvr>
+                                    </p:animEffect>
+                                  </p:childTnLst>
+                                </p:cTn>
+                              </p:par>
+                              <p:par>
+                                <p:cTn id="19" presetID="10" presetClass="entr" presetSubtype="0" fill="hold" grpId="0" nodeType="withEffect">
+                                  <p:stCondLst>
+                                    <p:cond delay="0"/>
+                                  </p:stCondLst>
+                                  <p:childTnLst>
+                                    <p:set>
+                                      <p:cBhvr>
+                                        <p:cTn id="20" dur="1" fill="hold">
+                                          <p:stCondLst>
+                                            <p:cond delay="0"/>
+                                          </p:stCondLst>
+                                        </p:cTn>
+                                        <p:tgtEl>
+                                          <p:spTgt spid="9"/>
+                                        </p:tgtEl>
+                                        <p:attrNameLst>
+                                          <p:attrName>style.visibility</p:attrName>
+                                        </p:attrNameLst>
+                                      </p:cBhvr>
+                                      <p:to>
+                                        <p:strVal val="visible"/>
+                                      </p:to>
+                                    </p:set>
+                                    <p:animEffect transition="in" filter="fade">
+                                      <p:cBhvr>
+                                        <p:cTn id="21" dur="500"/>
+                                        <p:tgtEl>
+                                          <p:spTgt spid="9"/>
+                                        </p:tgtEl>
+                                      </p:cBhvr>
+                                    </p:animEffect>
+                                  </p:childTnLst>
+                                </p:cTn>
+                              </p:par>
+                            </p:childTnLst>
+                          </p:cTn>
+                        </p:par>
+                      </p:childTnLst>
+                    </p:cTn>
+                  </p:par>
+                  <p:par>
+                    <p:cTn id="22" fill="hold">
+                      <p:stCondLst>
+                        <p:cond delay="indefinite"/>
+                      </p:stCondLst>
+                      <p:childTnLst>
+                        <p:par>
+                          <p:cTn id="23" fill="hold">
+                            <p:stCondLst>
+                              <p:cond delay="0"/>
+                            </p:stCondLst>
+                            <p:childTnLst>
+                              <p:par>
+                                <p:cTn id="24" presetID="10" presetClass="entr" presetSubtype="0" fill="hold" nodeType="clickEffect">
+                                  <p:stCondLst>
+                                    <p:cond delay="0"/>
+                                  </p:stCondLst>
+                                  <p:childTnLst>
+                                    <p:set>
+                                      <p:cBhvr>
+                                        <p:cTn id="25" dur="1" fill="hold">
+                                          <p:stCondLst>
+                                            <p:cond delay="0"/>
+                                          </p:stCondLst>
+                                        </p:cTn>
+                                        <p:tgtEl>
+                                          <p:spTgt spid="18"/>
+                                        </p:tgtEl>
+                                        <p:attrNameLst>
+                                          <p:attrName>style.visibility</p:attrName>
+                                        </p:attrNameLst>
+                                      </p:cBhvr>
+                                      <p:to>
+                                        <p:strVal val="visible"/>
+                                      </p:to>
+                                    </p:set>
+                                    <p:animEffect transition="in" filter="fade">
+                                      <p:cBhvr>
+                                        <p:cTn id="26" dur="500"/>
+                                        <p:tgtEl>
+                                          <p:spTgt spid="18"/>
+                                        </p:tgtEl>
+                                      </p:cBhvr>
+                                    </p:animEffect>
+                                  </p:childTnLst>
+                                </p:cTn>
+                              </p:par>
+                              <p:par>
+                                <p:cTn id="27" presetID="10" presetClass="entr" presetSubtype="0" fill="hold" grpId="0" nodeType="withEffect">
+                                  <p:stCondLst>
+                                    <p:cond delay="0"/>
+                                  </p:stCondLst>
+                                  <p:childTnLst>
+                                    <p:set>
+                                      <p:cBhvr>
+                                        <p:cTn id="28" dur="1" fill="hold">
+                                          <p:stCondLst>
+                                            <p:cond delay="0"/>
+                                          </p:stCondLst>
+                                        </p:cTn>
+                                        <p:tgtEl>
+                                          <p:spTgt spid="26"/>
+                                        </p:tgtEl>
+                                        <p:attrNameLst>
+                                          <p:attrName>style.visibility</p:attrName>
+                                        </p:attrNameLst>
+                                      </p:cBhvr>
+                                      <p:to>
+                                        <p:strVal val="visible"/>
+                                      </p:to>
+                                    </p:set>
+                                    <p:animEffect transition="in" filter="fade">
+                                      <p:cBhvr>
+                                        <p:cTn id="29" dur="500"/>
+                                        <p:tgtEl>
+                                          <p:spTgt spid="26"/>
+                                        </p:tgtEl>
+                                      </p:cBhvr>
+                                    </p:animEffect>
+                                  </p:childTnLst>
+                                </p:cTn>
+                              </p:par>
+                            </p:childTnLst>
+                          </p:cTn>
+                        </p:par>
+                      </p:childTnLst>
+                    </p:cTn>
+                  </p:par>
+                  <p:par>
+                    <p:cTn id="30" fill="hold">
+                      <p:stCondLst>
+                        <p:cond delay="indefinite"/>
+                      </p:stCondLst>
+                      <p:childTnLst>
+                        <p:par>
+                          <p:cTn id="31" fill="hold">
+                            <p:stCondLst>
+                              <p:cond delay="0"/>
+                            </p:stCondLst>
+                            <p:childTnLst>
+                              <p:par>
+                                <p:cTn id="32" presetID="10" presetClass="entr" presetSubtype="0" fill="hold" grpId="0" nodeType="clickEffect">
+                                  <p:stCondLst>
+                                    <p:cond delay="0"/>
+                                  </p:stCondLst>
+                                  <p:childTnLst>
+                                    <p:set>
+                                      <p:cBhvr>
+                                        <p:cTn id="33" dur="1" fill="hold">
+                                          <p:stCondLst>
+                                            <p:cond delay="0"/>
+                                          </p:stCondLst>
+                                        </p:cTn>
+                                        <p:tgtEl>
+                                          <p:spTgt spid="11"/>
+                                        </p:tgtEl>
+                                        <p:attrNameLst>
+                                          <p:attrName>style.visibility</p:attrName>
+                                        </p:attrNameLst>
+                                      </p:cBhvr>
+                                      <p:to>
+                                        <p:strVal val="visible"/>
+                                      </p:to>
+                                    </p:set>
+                                    <p:animEffect transition="in" filter="fade">
+                                      <p:cBhvr>
+                                        <p:cTn id="34" dur="500"/>
+                                        <p:tgtEl>
+                                          <p:spTgt spid="11"/>
+                                        </p:tgtEl>
+                                      </p:cBhvr>
+                                    </p:animEffect>
+                                  </p:childTnLst>
+                                </p:cTn>
+                              </p:par>
+                              <p:par>
+                                <p:cTn id="35" presetID="10" presetClass="entr" presetSubtype="0" fill="hold" grpId="0" nodeType="withEffect">
+                                  <p:stCondLst>
+                                    <p:cond delay="0"/>
+                                  </p:stCondLst>
+                                  <p:childTnLst>
+                                    <p:set>
+                                      <p:cBhvr>
+                                        <p:cTn id="36" dur="1" fill="hold">
+                                          <p:stCondLst>
+                                            <p:cond delay="0"/>
+                                          </p:stCondLst>
+                                        </p:cTn>
+                                        <p:tgtEl>
+                                          <p:spTgt spid="12"/>
+                                        </p:tgtEl>
+                                        <p:attrNameLst>
+                                          <p:attrName>style.visibility</p:attrName>
+                                        </p:attrNameLst>
+                                      </p:cBhvr>
+                                      <p:to>
+                                        <p:strVal val="visible"/>
+                                      </p:to>
+                                    </p:set>
+                                    <p:animEffect transition="in" filter="fade">
+                                      <p:cBhvr>
+                                        <p:cTn id="37" dur="500"/>
+                                        <p:tgtEl>
+                                          <p:spTgt spid="12"/>
+                                        </p:tgtEl>
+                                      </p:cBhvr>
+                                    </p:animEffect>
+                                  </p:childTnLst>
+                                </p:cTn>
+                              </p:par>
+                            </p:childTnLst>
+                          </p:cTn>
+                        </p:par>
+                      </p:childTnLst>
+                    </p:cTn>
+                  </p:par>
+                  <p:par>
+                    <p:cTn id="38" fill="hold">
+                      <p:stCondLst>
+                        <p:cond delay="indefinite"/>
+                      </p:stCondLst>
+                      <p:childTnLst>
+                        <p:par>
+                          <p:cTn id="39" fill="hold">
+                            <p:stCondLst>
+                              <p:cond delay="0"/>
+                            </p:stCondLst>
+                            <p:childTnLst>
+                              <p:par>
+                                <p:cTn id="40" presetID="10" presetClass="entr" presetSubtype="0" fill="hold" grpId="0" nodeType="clickEffect">
+                                  <p:stCondLst>
+                                    <p:cond delay="0"/>
+                                  </p:stCondLst>
+                                  <p:childTnLst>
+                                    <p:set>
+                                      <p:cBhvr>
+                                        <p:cTn id="41" dur="1" fill="hold">
+                                          <p:stCondLst>
+                                            <p:cond delay="0"/>
+                                          </p:stCondLst>
+                                        </p:cTn>
+                                        <p:tgtEl>
+                                          <p:spTgt spid="19"/>
+                                        </p:tgtEl>
+                                        <p:attrNameLst>
+                                          <p:attrName>style.visibility</p:attrName>
+                                        </p:attrNameLst>
+                                      </p:cBhvr>
+                                      <p:to>
+                                        <p:strVal val="visible"/>
+                                      </p:to>
+                                    </p:set>
+                                    <p:animEffect transition="in" filter="fade">
+                                      <p:cBhvr>
+                                        <p:cTn id="42" dur="500"/>
+                                        <p:tgtEl>
+                                          <p:spTgt spid="19"/>
+                                        </p:tgtEl>
+                                      </p:cBhvr>
+                                    </p:animEffect>
+                                  </p:childTnLst>
+                                </p:cTn>
+                              </p:par>
+                              <p:par>
+                                <p:cTn id="43" presetID="10" presetClass="entr" presetSubtype="0" fill="hold" grpId="0" nodeType="withEffect">
+                                  <p:stCondLst>
+                                    <p:cond delay="0"/>
+                                  </p:stCondLst>
+                                  <p:childTnLst>
+                                    <p:set>
+                                      <p:cBhvr>
+                                        <p:cTn id="44" dur="1" fill="hold">
+                                          <p:stCondLst>
+                                            <p:cond delay="0"/>
+                                          </p:stCondLst>
+                                        </p:cTn>
+                                        <p:tgtEl>
+                                          <p:spTgt spid="22"/>
+                                        </p:tgtEl>
+                                        <p:attrNameLst>
+                                          <p:attrName>style.visibility</p:attrName>
+                                        </p:attrNameLst>
+                                      </p:cBhvr>
+                                      <p:to>
+                                        <p:strVal val="visible"/>
+                                      </p:to>
+                                    </p:set>
+                                    <p:animEffect transition="in" filter="fade">
+                                      <p:cBhvr>
+                                        <p:cTn id="45" dur="500"/>
+                                        <p:tgtEl>
+                                          <p:spTgt spid="22"/>
+                                        </p:tgtEl>
+                                      </p:cBhvr>
+                                    </p:animEffect>
+                                  </p:childTnLst>
+                                </p:cTn>
+                              </p:par>
+                              <p:par>
+                                <p:cTn id="46" presetID="10" presetClass="entr" presetSubtype="0" fill="hold" nodeType="withEffect">
+                                  <p:stCondLst>
+                                    <p:cond delay="0"/>
+                                  </p:stCondLst>
+                                  <p:childTnLst>
+                                    <p:set>
+                                      <p:cBhvr>
+                                        <p:cTn id="47" dur="1" fill="hold">
+                                          <p:stCondLst>
+                                            <p:cond delay="0"/>
+                                          </p:stCondLst>
+                                        </p:cTn>
+                                        <p:tgtEl>
+                                          <p:spTgt spid="21"/>
+                                        </p:tgtEl>
+                                        <p:attrNameLst>
+                                          <p:attrName>style.visibility</p:attrName>
+                                        </p:attrNameLst>
+                                      </p:cBhvr>
+                                      <p:to>
+                                        <p:strVal val="visible"/>
+                                      </p:to>
+                                    </p:set>
+                                    <p:animEffect transition="in" filter="fade">
+                                      <p:cBhvr>
+                                        <p:cTn id="48" dur="500"/>
+                                        <p:tgtEl>
+                                          <p:spTgt spid="21"/>
+                                        </p:tgtEl>
+                                      </p:cBhvr>
+                                    </p:animEffect>
+                                  </p:childTnLst>
+                                </p:cTn>
+                              </p:par>
+                            </p:childTnLst>
+                          </p:cTn>
+                        </p:par>
+                      </p:childTnLst>
+                    </p:cTn>
+                  </p:par>
+                </p:childTnLst>
+              </p:cTn>
+              <p:prevCondLst>
+                <p:cond evt="onPrev" delay="0">
+                  <p:tgtEl>
+                    <p:sldTgt/>
+                  </p:tgtEl>
+                </p:cond>
+              </p:prevCondLst>
+              <p:nextCondLst>
+                <p:cond evt="onNext" delay="0">
+                  <p:tgtEl>
+                    <p:sldTgt/>
+                  </p:tgtEl>
+                </p:cond>
+              </p:nextCondLst>
+            </p:seq>
+          </p:childTnLst>
+        </p:cTn>
+      </p:par>
+    </p:tnLst>
+    <p:bldLst>
+      <p:bldP spid="9" grpId="0"/>
+      <p:bldP spid="10" grpId="0"/>
+      <p:bldP spid="11" grpId="0" animBg="1"/>
+      <p:bldP spid="12" grpId="0"/>
+      <p:bldP spid="19" grpId="0" animBg="1"/>
+      <p:bldP spid="22" grpId="0"/>
+      <p:bldP spid="26" grpId="0"/>
+    </p:bldLst>
   </p:timing>
 </p:sld>
 </file>
